--- a/docs/diagrams/ModelComponentClassDiagram.pptx
+++ b/docs/diagrams/ModelComponentClassDiagram.pptx
@@ -208,7 +208,7 @@
           <a:p>
             <a:fld id="{F5CC4B3F-88C1-4FFA-B1B6-F41C21DC6924}" type="datetimeFigureOut">
               <a:rPr lang="en-US" smtClean="0"/>
-              <a:t>12/5/2018</a:t>
+              <a:t>3/25/2019</a:t>
             </a:fld>
             <a:endParaRPr lang="en-US"/>
           </a:p>
@@ -654,7 +654,7 @@
           <a:p>
             <a:fld id="{78C97017-6FC3-485B-9764-EAC9E56C1D49}" type="datetimeFigureOut">
               <a:rPr lang="en-US" smtClean="0"/>
-              <a:t>12/5/2018</a:t>
+              <a:t>3/25/2019</a:t>
             </a:fld>
             <a:endParaRPr lang="en-US"/>
           </a:p>
@@ -822,7 +822,7 @@
           <a:p>
             <a:fld id="{78C97017-6FC3-485B-9764-EAC9E56C1D49}" type="datetimeFigureOut">
               <a:rPr lang="en-US" smtClean="0"/>
-              <a:t>12/5/2018</a:t>
+              <a:t>3/25/2019</a:t>
             </a:fld>
             <a:endParaRPr lang="en-US"/>
           </a:p>
@@ -1000,7 +1000,7 @@
           <a:p>
             <a:fld id="{78C97017-6FC3-485B-9764-EAC9E56C1D49}" type="datetimeFigureOut">
               <a:rPr lang="en-US" smtClean="0"/>
-              <a:t>12/5/2018</a:t>
+              <a:t>3/25/2019</a:t>
             </a:fld>
             <a:endParaRPr lang="en-US"/>
           </a:p>
@@ -1168,7 +1168,7 @@
           <a:p>
             <a:fld id="{78C97017-6FC3-485B-9764-EAC9E56C1D49}" type="datetimeFigureOut">
               <a:rPr lang="en-US" smtClean="0"/>
-              <a:t>12/5/2018</a:t>
+              <a:t>3/25/2019</a:t>
             </a:fld>
             <a:endParaRPr lang="en-US"/>
           </a:p>
@@ -1413,7 +1413,7 @@
           <a:p>
             <a:fld id="{78C97017-6FC3-485B-9764-EAC9E56C1D49}" type="datetimeFigureOut">
               <a:rPr lang="en-US" smtClean="0"/>
-              <a:t>12/5/2018</a:t>
+              <a:t>3/25/2019</a:t>
             </a:fld>
             <a:endParaRPr lang="en-US"/>
           </a:p>
@@ -1698,7 +1698,7 @@
           <a:p>
             <a:fld id="{78C97017-6FC3-485B-9764-EAC9E56C1D49}" type="datetimeFigureOut">
               <a:rPr lang="en-US" smtClean="0"/>
-              <a:t>12/5/2018</a:t>
+              <a:t>3/25/2019</a:t>
             </a:fld>
             <a:endParaRPr lang="en-US"/>
           </a:p>
@@ -2117,7 +2117,7 @@
           <a:p>
             <a:fld id="{78C97017-6FC3-485B-9764-EAC9E56C1D49}" type="datetimeFigureOut">
               <a:rPr lang="en-US" smtClean="0"/>
-              <a:t>12/5/2018</a:t>
+              <a:t>3/25/2019</a:t>
             </a:fld>
             <a:endParaRPr lang="en-US"/>
           </a:p>
@@ -2234,7 +2234,7 @@
           <a:p>
             <a:fld id="{78C97017-6FC3-485B-9764-EAC9E56C1D49}" type="datetimeFigureOut">
               <a:rPr lang="en-US" smtClean="0"/>
-              <a:t>12/5/2018</a:t>
+              <a:t>3/25/2019</a:t>
             </a:fld>
             <a:endParaRPr lang="en-US"/>
           </a:p>
@@ -2329,7 +2329,7 @@
           <a:p>
             <a:fld id="{78C97017-6FC3-485B-9764-EAC9E56C1D49}" type="datetimeFigureOut">
               <a:rPr lang="en-US" smtClean="0"/>
-              <a:t>12/5/2018</a:t>
+              <a:t>3/25/2019</a:t>
             </a:fld>
             <a:endParaRPr lang="en-US"/>
           </a:p>
@@ -2604,7 +2604,7 @@
           <a:p>
             <a:fld id="{78C97017-6FC3-485B-9764-EAC9E56C1D49}" type="datetimeFigureOut">
               <a:rPr lang="en-US" smtClean="0"/>
-              <a:t>12/5/2018</a:t>
+              <a:t>3/25/2019</a:t>
             </a:fld>
             <a:endParaRPr lang="en-US"/>
           </a:p>
@@ -2856,7 +2856,7 @@
           <a:p>
             <a:fld id="{78C97017-6FC3-485B-9764-EAC9E56C1D49}" type="datetimeFigureOut">
               <a:rPr lang="en-US" smtClean="0"/>
-              <a:t>12/5/2018</a:t>
+              <a:t>3/25/2019</a:t>
             </a:fld>
             <a:endParaRPr lang="en-US"/>
           </a:p>
@@ -3067,7 +3067,7 @@
           <a:p>
             <a:fld id="{78C97017-6FC3-485B-9764-EAC9E56C1D49}" type="datetimeFigureOut">
               <a:rPr lang="en-US" smtClean="0"/>
-              <a:t>12/5/2018</a:t>
+              <a:t>3/25/2019</a:t>
             </a:fld>
             <a:endParaRPr lang="en-US"/>
           </a:p>
@@ -3450,8 +3450,8 @@
         </p:nvSpPr>
         <p:spPr>
           <a:xfrm>
-            <a:off x="1119865" y="1600200"/>
-            <a:ext cx="7490735" cy="3124200"/>
+            <a:off x="1119865" y="996320"/>
+            <a:ext cx="7490735" cy="4738629"/>
           </a:xfrm>
           <a:prstGeom prst="roundRect">
             <a:avLst>
@@ -3488,7 +3488,7 @@
           <a:lstStyle/>
           <a:p>
             <a:r>
-              <a:rPr lang="en-US" sz="1200" b="1" dirty="0">
+              <a:rPr lang="en-US" sz="1200" b="1">
                 <a:solidFill>
                   <a:srgbClr val="7030A0"/>
                 </a:solidFill>
@@ -3511,7 +3511,7 @@
         </p:nvSpPr>
         <p:spPr>
           <a:xfrm>
-            <a:off x="2825280" y="3463240"/>
+            <a:off x="2825280" y="2582221"/>
             <a:ext cx="878211" cy="346760"/>
           </a:xfrm>
           <a:prstGeom prst="rect">
@@ -3567,8 +3567,8 @@
         </p:nvSpPr>
         <p:spPr>
           <a:xfrm rot="16200000">
-            <a:off x="1661548" y="3097750"/>
-            <a:ext cx="1093635" cy="346760"/>
+            <a:off x="497145" y="3144586"/>
+            <a:ext cx="3422441" cy="346760"/>
           </a:xfrm>
           <a:prstGeom prst="rect">
             <a:avLst/>
@@ -3618,33 +3618,27 @@
           </a:p>
         </p:txBody>
       </p:sp>
-      <p:cxnSp>
-        <p:nvCxnSpPr>
-          <p:cNvPr id="107" name="Elbow Connector 106"/>
-          <p:cNvCxnSpPr>
-            <a:cxnSpLocks/>
-            <a:stCxn id="9" idx="1"/>
-            <a:endCxn id="62" idx="2"/>
-          </p:cNvCxnSpPr>
+      <p:sp>
+        <p:nvSpPr>
+          <p:cNvPr id="119" name="Rectangle 62"/>
+          <p:cNvSpPr/>
           <p:nvPr/>
-        </p:nvCxnSpPr>
-        <p:spPr>
-          <a:xfrm rot="5400000" flipH="1" flipV="1">
-            <a:off x="4131507" y="1281685"/>
-            <a:ext cx="613122" cy="4459404"/>
-          </a:xfrm>
-          <a:prstGeom prst="bentConnector3">
-            <a:avLst>
-              <a:gd name="adj1" fmla="val -26668"/>
-            </a:avLst>
-          </a:prstGeom>
+        </p:nvSpPr>
+        <p:spPr>
+          <a:xfrm rot="16200000">
+            <a:off x="956202" y="1980183"/>
+            <a:ext cx="1093635" cy="346760"/>
+          </a:xfrm>
+          <a:prstGeom prst="rect">
+            <a:avLst/>
+          </a:prstGeom>
+          <a:solidFill>
+            <a:srgbClr val="7030A0"/>
+          </a:solidFill>
           <a:ln w="19050">
             <a:solidFill>
               <a:srgbClr val="7030A0"/>
             </a:solidFill>
-            <a:prstDash val="solid"/>
-            <a:headEnd type="none" w="med" len="med"/>
-            <a:tailEnd type="arrow" w="med" len="med"/>
           </a:ln>
           <a:effectLst/>
         </p:spPr>
@@ -3662,45 +3656,6 @@
             <a:schemeClr val="dk1"/>
           </a:fontRef>
         </p:style>
-      </p:cxnSp>
-      <p:sp>
-        <p:nvSpPr>
-          <p:cNvPr id="119" name="Rectangle 62"/>
-          <p:cNvSpPr/>
-          <p:nvPr/>
-        </p:nvSpPr>
-        <p:spPr>
-          <a:xfrm rot="16200000">
-            <a:off x="956202" y="2861202"/>
-            <a:ext cx="1093635" cy="346760"/>
-          </a:xfrm>
-          <a:prstGeom prst="rect">
-            <a:avLst/>
-          </a:prstGeom>
-          <a:solidFill>
-            <a:srgbClr val="7030A0"/>
-          </a:solidFill>
-          <a:ln w="19050">
-            <a:solidFill>
-              <a:srgbClr val="7030A0"/>
-            </a:solidFill>
-          </a:ln>
-          <a:effectLst/>
-        </p:spPr>
-        <p:style>
-          <a:lnRef idx="1">
-            <a:schemeClr val="accent2"/>
-          </a:lnRef>
-          <a:fillRef idx="2">
-            <a:schemeClr val="accent2"/>
-          </a:fillRef>
-          <a:effectRef idx="1">
-            <a:schemeClr val="accent2"/>
-          </a:effectRef>
-          <a:fontRef idx="minor">
-            <a:schemeClr val="dk1"/>
-          </a:fontRef>
-        </p:style>
         <p:txBody>
           <a:bodyPr rtlCol="0" anchor="ctr"/>
           <a:lstStyle/>
@@ -3741,7 +3696,7 @@
         </p:nvSpPr>
         <p:spPr>
           <a:xfrm rot="16200000">
-            <a:off x="1626910" y="2952291"/>
+            <a:off x="1626910" y="2071272"/>
             <a:ext cx="270504" cy="175523"/>
           </a:xfrm>
           <a:prstGeom prst="triangle">
@@ -3792,7 +3747,7 @@
         </p:nvCxnSpPr>
         <p:spPr>
           <a:xfrm>
-            <a:off x="2609828" y="3636620"/>
+            <a:off x="2609828" y="2755601"/>
             <a:ext cx="215452" cy="0"/>
           </a:xfrm>
           <a:prstGeom prst="straightConnector1">
@@ -3830,7 +3785,7 @@
         </p:nvCxnSpPr>
         <p:spPr>
           <a:xfrm>
-            <a:off x="910091" y="3040053"/>
+            <a:off x="910091" y="2159034"/>
             <a:ext cx="419548" cy="2860"/>
           </a:xfrm>
           <a:prstGeom prst="bentConnector3">
@@ -3875,7 +3830,7 @@
         </p:nvCxnSpPr>
         <p:spPr>
           <a:xfrm flipV="1">
-            <a:off x="1849924" y="3040052"/>
+            <a:off x="1849924" y="2159033"/>
             <a:ext cx="216105" cy="1"/>
           </a:xfrm>
           <a:prstGeom prst="line">
@@ -3914,7 +3869,7 @@
         </p:nvSpPr>
         <p:spPr>
           <a:xfrm>
-            <a:off x="2373780" y="3549930"/>
+            <a:off x="2373780" y="2668911"/>
             <a:ext cx="236048" cy="173380"/>
           </a:xfrm>
           <a:prstGeom prst="flowChartDecision">
@@ -3959,7 +3914,7 @@
         </p:nvSpPr>
         <p:spPr>
           <a:xfrm>
-            <a:off x="2825280" y="2846162"/>
+            <a:off x="2825280" y="1965143"/>
             <a:ext cx="1490560" cy="334856"/>
           </a:xfrm>
           <a:prstGeom prst="rect">
@@ -3997,7 +3952,7 @@
                   <a:srgbClr val="7030A0"/>
                 </a:solidFill>
               </a:rPr>
-              <a:t>VersionedAddressBook</a:t>
+              <a:t>VersionedProject</a:t>
             </a:r>
             <a:endParaRPr lang="en-SG" sz="1050" dirty="0">
               <a:solidFill>
@@ -4018,7 +3973,7 @@
         </p:nvCxnSpPr>
         <p:spPr>
           <a:xfrm>
-            <a:off x="2624360" y="3003033"/>
+            <a:off x="2624360" y="2122014"/>
             <a:ext cx="200920" cy="10557"/>
           </a:xfrm>
           <a:prstGeom prst="straightConnector1">
@@ -4056,7 +4011,7 @@
         </p:nvSpPr>
         <p:spPr>
           <a:xfrm>
-            <a:off x="2388312" y="2916343"/>
+            <a:off x="2388312" y="2035324"/>
             <a:ext cx="236048" cy="173380"/>
           </a:xfrm>
           <a:prstGeom prst="flowChartDecision">
@@ -4101,7 +4056,7 @@
         </p:nvSpPr>
         <p:spPr>
           <a:xfrm>
-            <a:off x="4692650" y="2846162"/>
+            <a:off x="4692650" y="1965143"/>
             <a:ext cx="1156969" cy="346760"/>
           </a:xfrm>
           <a:prstGeom prst="rect">
@@ -4139,7 +4094,7 @@
                   <a:srgbClr val="7030A0"/>
                 </a:solidFill>
               </a:rPr>
-              <a:t>UniquePersonList</a:t>
+              <a:t>UniqueTaskList</a:t>
             </a:r>
             <a:endParaRPr lang="en-SG" sz="1050" dirty="0">
               <a:solidFill>
@@ -4157,7 +4112,7 @@
         </p:nvSpPr>
         <p:spPr>
           <a:xfrm>
-            <a:off x="4324972" y="2920532"/>
+            <a:off x="4324972" y="2039513"/>
             <a:ext cx="236048" cy="173380"/>
           </a:xfrm>
           <a:prstGeom prst="flowChartDecision">
@@ -4204,7 +4159,7 @@
         </p:nvSpPr>
         <p:spPr>
           <a:xfrm>
-            <a:off x="6313677" y="2858066"/>
+            <a:off x="6313677" y="1977047"/>
             <a:ext cx="708186" cy="346760"/>
           </a:xfrm>
           <a:prstGeom prst="rect">
@@ -4242,7 +4197,7 @@
                   <a:srgbClr val="7030A0"/>
                 </a:solidFill>
               </a:rPr>
-              <a:t>Person</a:t>
+              <a:t>Task</a:t>
             </a:r>
             <a:endParaRPr lang="en-SG" sz="1050" dirty="0">
               <a:solidFill>
@@ -4260,7 +4215,7 @@
         </p:nvSpPr>
         <p:spPr>
           <a:xfrm>
-            <a:off x="5858751" y="2941676"/>
+            <a:off x="5858751" y="2060657"/>
             <a:ext cx="236048" cy="173380"/>
           </a:xfrm>
           <a:prstGeom prst="flowChartDecision">
@@ -4308,7 +4263,7 @@
         </p:nvCxnSpPr>
         <p:spPr>
           <a:xfrm>
-            <a:off x="6094799" y="3028366"/>
+            <a:off x="6094799" y="2147347"/>
             <a:ext cx="218878" cy="3080"/>
           </a:xfrm>
           <a:prstGeom prst="bentConnector3">
@@ -4346,7 +4301,7 @@
         </p:nvSpPr>
         <p:spPr>
           <a:xfrm>
-            <a:off x="7712397" y="2564238"/>
+            <a:off x="7712397" y="1683219"/>
             <a:ext cx="708186" cy="285783"/>
           </a:xfrm>
           <a:prstGeom prst="rect">
@@ -4402,7 +4357,7 @@
         </p:nvSpPr>
         <p:spPr>
           <a:xfrm>
-            <a:off x="7041947" y="2948201"/>
+            <a:off x="7041947" y="2067182"/>
             <a:ext cx="236048" cy="173380"/>
           </a:xfrm>
           <a:prstGeom prst="flowChartDecision">
@@ -4451,7 +4406,7 @@
         </p:nvCxnSpPr>
         <p:spPr>
           <a:xfrm flipV="1">
-            <a:off x="7277995" y="2706821"/>
+            <a:off x="7277995" y="1825802"/>
             <a:ext cx="434402" cy="327761"/>
           </a:xfrm>
           <a:prstGeom prst="bentConnector3">
@@ -4489,7 +4444,7 @@
         </p:nvSpPr>
         <p:spPr>
           <a:xfrm>
-            <a:off x="7712397" y="2887216"/>
+            <a:off x="7712397" y="2006197"/>
             <a:ext cx="708186" cy="285783"/>
           </a:xfrm>
           <a:prstGeom prst="rect">
@@ -4527,7 +4482,7 @@
                   <a:srgbClr val="7030A0"/>
                 </a:solidFill>
               </a:rPr>
-              <a:t>Phone</a:t>
+              <a:t>Deadline</a:t>
             </a:r>
             <a:endParaRPr lang="en-SG" sz="1050" dirty="0">
               <a:solidFill>
@@ -4548,7 +4503,7 @@
         </p:nvCxnSpPr>
         <p:spPr>
           <a:xfrm flipV="1">
-            <a:off x="7277995" y="3030108"/>
+            <a:off x="7277995" y="2149089"/>
             <a:ext cx="434402" cy="4783"/>
           </a:xfrm>
           <a:prstGeom prst="bentConnector3">
@@ -4586,8 +4541,8 @@
         </p:nvSpPr>
         <p:spPr>
           <a:xfrm>
-            <a:off x="7712397" y="3210194"/>
-            <a:ext cx="708186" cy="285783"/>
+            <a:off x="7712397" y="2329175"/>
+            <a:ext cx="812520" cy="285783"/>
           </a:xfrm>
           <a:prstGeom prst="rect">
             <a:avLst/>
@@ -4624,7 +4579,7 @@
                   <a:srgbClr val="7030A0"/>
                 </a:solidFill>
               </a:rPr>
-              <a:t>Email</a:t>
+              <a:t>Description</a:t>
             </a:r>
             <a:endParaRPr lang="en-SG" sz="1050" dirty="0">
               <a:solidFill>
@@ -4638,6 +4593,7 @@
         <p:nvCxnSpPr>
           <p:cNvPr id="84" name="Elbow Connector 83"/>
           <p:cNvCxnSpPr>
+            <a:cxnSpLocks/>
             <a:stCxn id="78" idx="3"/>
             <a:endCxn id="83" idx="1"/>
           </p:cNvCxnSpPr>
@@ -4645,105 +4601,8 @@
         </p:nvCxnSpPr>
         <p:spPr>
           <a:xfrm>
-            <a:off x="7277995" y="3034891"/>
+            <a:off x="7277995" y="2153872"/>
             <a:ext cx="434402" cy="318195"/>
-          </a:xfrm>
-          <a:prstGeom prst="bentConnector3">
-            <a:avLst/>
-          </a:prstGeom>
-          <a:ln w="19050">
-            <a:solidFill>
-              <a:srgbClr val="7030A0"/>
-            </a:solidFill>
-            <a:headEnd type="none" w="med" len="med"/>
-            <a:tailEnd type="arrow" w="med" len="med"/>
-          </a:ln>
-          <a:effectLst/>
-        </p:spPr>
-        <p:style>
-          <a:lnRef idx="1">
-            <a:schemeClr val="accent2"/>
-          </a:lnRef>
-          <a:fillRef idx="2">
-            <a:schemeClr val="accent2"/>
-          </a:fillRef>
-          <a:effectRef idx="1">
-            <a:schemeClr val="accent2"/>
-          </a:effectRef>
-          <a:fontRef idx="minor">
-            <a:schemeClr val="dk1"/>
-          </a:fontRef>
-        </p:style>
-      </p:cxnSp>
-      <p:sp>
-        <p:nvSpPr>
-          <p:cNvPr id="85" name="Rectangle 8"/>
-          <p:cNvSpPr/>
-          <p:nvPr/>
-        </p:nvSpPr>
-        <p:spPr>
-          <a:xfrm>
-            <a:off x="7712397" y="3533171"/>
-            <a:ext cx="708186" cy="285783"/>
-          </a:xfrm>
-          <a:prstGeom prst="rect">
-            <a:avLst/>
-          </a:prstGeom>
-          <a:ln w="19050">
-            <a:solidFill>
-              <a:srgbClr val="7030A0"/>
-            </a:solidFill>
-          </a:ln>
-          <a:effectLst/>
-        </p:spPr>
-        <p:style>
-          <a:lnRef idx="1">
-            <a:schemeClr val="accent4"/>
-          </a:lnRef>
-          <a:fillRef idx="2">
-            <a:schemeClr val="accent4"/>
-          </a:fillRef>
-          <a:effectRef idx="1">
-            <a:schemeClr val="accent4"/>
-          </a:effectRef>
-          <a:fontRef idx="minor">
-            <a:schemeClr val="dk1"/>
-          </a:fontRef>
-        </p:style>
-        <p:txBody>
-          <a:bodyPr rtlCol="0" anchor="ctr"/>
-          <a:lstStyle/>
-          <a:p>
-            <a:pPr algn="ctr"/>
-            <a:r>
-              <a:rPr lang="en-US" sz="1050" dirty="0">
-                <a:solidFill>
-                  <a:srgbClr val="7030A0"/>
-                </a:solidFill>
-              </a:rPr>
-              <a:t>Address</a:t>
-            </a:r>
-            <a:endParaRPr lang="en-SG" sz="1050" dirty="0">
-              <a:solidFill>
-                <a:srgbClr val="7030A0"/>
-              </a:solidFill>
-            </a:endParaRPr>
-          </a:p>
-        </p:txBody>
-      </p:sp>
-      <p:cxnSp>
-        <p:nvCxnSpPr>
-          <p:cNvPr id="86" name="Elbow Connector 85"/>
-          <p:cNvCxnSpPr>
-            <a:stCxn id="78" idx="3"/>
-            <a:endCxn id="85" idx="1"/>
-          </p:cNvCxnSpPr>
-          <p:nvPr/>
-        </p:nvCxnSpPr>
-        <p:spPr>
-          <a:xfrm>
-            <a:off x="7277995" y="3034891"/>
-            <a:ext cx="434402" cy="641172"/>
           </a:xfrm>
           <a:prstGeom prst="bentConnector3">
             <a:avLst/>
@@ -4783,7 +4642,7 @@
         </p:nvCxnSpPr>
         <p:spPr>
           <a:xfrm rot="16200000" flipH="1">
-            <a:off x="3566454" y="2680653"/>
+            <a:off x="3566454" y="1799634"/>
             <a:ext cx="274076" cy="1"/>
           </a:xfrm>
           <a:prstGeom prst="bentConnector3">
@@ -4824,7 +4683,7 @@
         </p:nvSpPr>
         <p:spPr>
           <a:xfrm rot="10800000" flipV="1">
-            <a:off x="3562299" y="2386554"/>
+            <a:off x="3562299" y="1505535"/>
             <a:ext cx="282387" cy="157062"/>
           </a:xfrm>
           <a:prstGeom prst="triangle">
@@ -4878,7 +4737,7 @@
         </p:nvSpPr>
         <p:spPr>
           <a:xfrm>
-            <a:off x="1260922" y="1998350"/>
+            <a:off x="1260922" y="1117331"/>
             <a:ext cx="1443661" cy="364396"/>
           </a:xfrm>
           <a:prstGeom prst="rect">
@@ -4931,7 +4790,7 @@
                   <a:srgbClr val="7030A0"/>
                 </a:solidFill>
               </a:rPr>
-              <a:t>ReadOnlyAddressBook</a:t>
+              <a:t>ReadOnlyProject</a:t>
             </a:r>
             <a:endParaRPr lang="en-SG" sz="1050" dirty="0">
               <a:solidFill>
@@ -4949,7 +4808,7 @@
         </p:nvSpPr>
         <p:spPr>
           <a:xfrm rot="16200000">
-            <a:off x="6362886" y="3586305"/>
+            <a:off x="6362886" y="2705286"/>
             <a:ext cx="881018" cy="261610"/>
           </a:xfrm>
           <a:prstGeom prst="rect">
@@ -4988,7 +4847,7 @@
         </p:nvSpPr>
         <p:spPr>
           <a:xfrm>
-            <a:off x="2057401" y="4239491"/>
+            <a:off x="2103381" y="5249194"/>
             <a:ext cx="1066800" cy="346760"/>
           </a:xfrm>
           <a:prstGeom prst="rect">
@@ -5062,8 +4921,8 @@
         </p:nvCxnSpPr>
         <p:spPr>
           <a:xfrm rot="16200000" flipH="1">
-            <a:off x="1364475" y="3719944"/>
-            <a:ext cx="831471" cy="554381"/>
+            <a:off x="442104" y="3761296"/>
+            <a:ext cx="2722193" cy="600361"/>
           </a:xfrm>
           <a:prstGeom prst="bentConnector2">
             <a:avLst/>
@@ -5101,7 +4960,7 @@
         </p:nvSpPr>
         <p:spPr>
           <a:xfrm>
-            <a:off x="4429979" y="3111479"/>
+            <a:off x="4429979" y="2230460"/>
             <a:ext cx="189257" cy="178683"/>
           </a:xfrm>
           <a:prstGeom prst="rect">
@@ -5140,7 +4999,7 @@
         </p:nvSpPr>
         <p:spPr>
           <a:xfrm>
-            <a:off x="6135256" y="3097917"/>
+            <a:off x="6135256" y="2216898"/>
             <a:ext cx="189257" cy="178683"/>
           </a:xfrm>
           <a:prstGeom prst="rect">
@@ -5179,7 +5038,7 @@
         </p:nvSpPr>
         <p:spPr>
           <a:xfrm>
-            <a:off x="2573394" y="2756715"/>
+            <a:off x="2573394" y="1875696"/>
             <a:ext cx="170110" cy="137542"/>
           </a:xfrm>
           <a:prstGeom prst="rect">
@@ -5218,7 +5077,7 @@
         </p:nvSpPr>
         <p:spPr>
           <a:xfrm>
-            <a:off x="2630191" y="3667737"/>
+            <a:off x="2630191" y="2786718"/>
             <a:ext cx="189257" cy="178683"/>
           </a:xfrm>
           <a:prstGeom prst="rect">
@@ -5257,7 +5116,7 @@
         </p:nvSpPr>
         <p:spPr>
           <a:xfrm>
-            <a:off x="6449896" y="3204826"/>
+            <a:off x="6449896" y="2323807"/>
             <a:ext cx="189257" cy="178683"/>
           </a:xfrm>
           <a:prstGeom prst="rect">
@@ -5302,7 +5161,7 @@
         </p:nvSpPr>
         <p:spPr>
           <a:xfrm>
-            <a:off x="7712397" y="2228817"/>
+            <a:off x="7712397" y="1347798"/>
             <a:ext cx="708186" cy="285783"/>
           </a:xfrm>
           <a:prstGeom prst="rect">
@@ -5368,7 +5227,7 @@
         </p:nvCxnSpPr>
         <p:spPr>
           <a:xfrm flipV="1">
-            <a:off x="7277995" y="2371709"/>
+            <a:off x="7277995" y="1490690"/>
             <a:ext cx="434402" cy="663182"/>
           </a:xfrm>
           <a:prstGeom prst="bentConnector3">
@@ -5414,7 +5273,7 @@
         </p:nvSpPr>
         <p:spPr>
           <a:xfrm>
-            <a:off x="7466243" y="2255711"/>
+            <a:off x="7466243" y="1374692"/>
             <a:ext cx="189257" cy="178683"/>
           </a:xfrm>
           <a:prstGeom prst="rect">
@@ -5453,7 +5312,7 @@
         </p:nvSpPr>
         <p:spPr>
           <a:xfrm>
-            <a:off x="3170181" y="1998350"/>
+            <a:off x="3170181" y="1117331"/>
             <a:ext cx="1060683" cy="364396"/>
           </a:xfrm>
           <a:prstGeom prst="rect">
@@ -5486,12 +5345,12 @@
           <a:p>
             <a:pPr algn="ctr"/>
             <a:r>
-              <a:rPr lang="en-US" sz="1050" dirty="0" err="1">
+              <a:rPr lang="en-US" sz="1050" dirty="0">
                 <a:solidFill>
                   <a:srgbClr val="7030A0"/>
                 </a:solidFill>
               </a:rPr>
-              <a:t>AddressBook</a:t>
+              <a:t>Project</a:t>
             </a:r>
             <a:endParaRPr lang="en-SG" sz="1050" dirty="0">
               <a:solidFill>
@@ -5512,7 +5371,7 @@
         </p:nvCxnSpPr>
         <p:spPr>
           <a:xfrm>
-            <a:off x="4324972" y="3007222"/>
+            <a:off x="4324972" y="2126203"/>
             <a:ext cx="367678" cy="12320"/>
           </a:xfrm>
           <a:prstGeom prst="straightConnector1">
@@ -5550,7 +5409,7 @@
         </p:nvSpPr>
         <p:spPr>
           <a:xfrm rot="16200000">
-            <a:off x="2669073" y="2069158"/>
+            <a:off x="2669073" y="1188139"/>
             <a:ext cx="271014" cy="187417"/>
           </a:xfrm>
           <a:prstGeom prst="triangle">
@@ -5605,7 +5464,7 @@
         </p:nvCxnSpPr>
         <p:spPr>
           <a:xfrm>
-            <a:off x="2898289" y="2177727"/>
+            <a:off x="2898289" y="1296708"/>
             <a:ext cx="271892" cy="2821"/>
           </a:xfrm>
           <a:prstGeom prst="bentConnector3">
@@ -5652,7 +5511,7 @@
         </p:nvSpPr>
         <p:spPr>
           <a:xfrm>
-            <a:off x="4238892" y="3460864"/>
+            <a:off x="4238892" y="2579845"/>
             <a:ext cx="1293486" cy="346760"/>
           </a:xfrm>
           <a:prstGeom prst="rect">
@@ -5725,7 +5584,7 @@
         </p:nvSpPr>
         <p:spPr>
           <a:xfrm rot="5400000" flipH="1">
-            <a:off x="3992636" y="3514414"/>
+            <a:off x="3992636" y="2633395"/>
             <a:ext cx="271014" cy="221497"/>
           </a:xfrm>
           <a:prstGeom prst="triangle">
@@ -5787,7 +5646,7 @@
         </p:nvCxnSpPr>
         <p:spPr>
           <a:xfrm rot="10800000">
-            <a:off x="3703491" y="3636621"/>
+            <a:off x="3703491" y="2755602"/>
             <a:ext cx="313904" cy="3403"/>
           </a:xfrm>
           <a:prstGeom prst="bentConnector3">
@@ -5802,6 +5661,1307 @@
             <a:prstDash val="sysDot"/>
             <a:headEnd type="none" w="med" len="med"/>
             <a:tailEnd type="none" w="med" len="med"/>
+          </a:ln>
+          <a:effectLst/>
+        </p:spPr>
+        <p:style>
+          <a:lnRef idx="1">
+            <a:schemeClr val="accent2"/>
+          </a:lnRef>
+          <a:fillRef idx="2">
+            <a:schemeClr val="accent2"/>
+          </a:fillRef>
+          <a:effectRef idx="1">
+            <a:schemeClr val="accent2"/>
+          </a:effectRef>
+          <a:fontRef idx="minor">
+            <a:schemeClr val="dk1"/>
+          </a:fontRef>
+        </p:style>
+      </p:cxnSp>
+      <p:sp>
+        <p:nvSpPr>
+          <p:cNvPr id="71" name="Rectangle 8">
+            <a:extLst>
+              <a:ext uri="{FF2B5EF4-FFF2-40B4-BE49-F238E27FC236}">
+                <a16:creationId xmlns:a16="http://schemas.microsoft.com/office/drawing/2014/main" id="{C8C46548-8827-4A1F-9975-16F7AFA0B14C}"/>
+              </a:ext>
+            </a:extLst>
+          </p:cNvPr>
+          <p:cNvSpPr/>
+          <p:nvPr/>
+        </p:nvSpPr>
+        <p:spPr>
+          <a:xfrm>
+            <a:off x="2792617" y="4343118"/>
+            <a:ext cx="1490560" cy="334856"/>
+          </a:xfrm>
+          <a:prstGeom prst="rect">
+            <a:avLst/>
+          </a:prstGeom>
+          <a:ln w="19050">
+            <a:solidFill>
+              <a:srgbClr val="7030A0"/>
+            </a:solidFill>
+          </a:ln>
+          <a:effectLst/>
+        </p:spPr>
+        <p:style>
+          <a:lnRef idx="1">
+            <a:schemeClr val="accent4"/>
+          </a:lnRef>
+          <a:fillRef idx="2">
+            <a:schemeClr val="accent4"/>
+          </a:fillRef>
+          <a:effectRef idx="1">
+            <a:schemeClr val="accent4"/>
+          </a:effectRef>
+          <a:fontRef idx="minor">
+            <a:schemeClr val="dk1"/>
+          </a:fontRef>
+        </p:style>
+        <p:txBody>
+          <a:bodyPr rtlCol="0" anchor="ctr"/>
+          <a:lstStyle/>
+          <a:p>
+            <a:pPr algn="ctr"/>
+            <a:r>
+              <a:rPr lang="en-US" sz="1050" dirty="0" err="1">
+                <a:solidFill>
+                  <a:srgbClr val="7030A0"/>
+                </a:solidFill>
+              </a:rPr>
+              <a:t>VersionedProjectList</a:t>
+            </a:r>
+            <a:endParaRPr lang="en-SG" sz="1050" dirty="0">
+              <a:solidFill>
+                <a:srgbClr val="7030A0"/>
+              </a:solidFill>
+            </a:endParaRPr>
+          </a:p>
+        </p:txBody>
+      </p:sp>
+      <p:cxnSp>
+        <p:nvCxnSpPr>
+          <p:cNvPr id="72" name="Straight Arrow Connector 71">
+            <a:extLst>
+              <a:ext uri="{FF2B5EF4-FFF2-40B4-BE49-F238E27FC236}">
+                <a16:creationId xmlns:a16="http://schemas.microsoft.com/office/drawing/2014/main" id="{05D3A968-C682-49E7-8AF1-37C66357BAF9}"/>
+              </a:ext>
+            </a:extLst>
+          </p:cNvPr>
+          <p:cNvCxnSpPr>
+            <a:cxnSpLocks/>
+          </p:cNvCxnSpPr>
+          <p:nvPr/>
+        </p:nvCxnSpPr>
+        <p:spPr>
+          <a:xfrm>
+            <a:off x="2600625" y="4498245"/>
+            <a:ext cx="200920" cy="10557"/>
+          </a:xfrm>
+          <a:prstGeom prst="straightConnector1">
+            <a:avLst/>
+          </a:prstGeom>
+          <a:ln w="19050">
+            <a:solidFill>
+              <a:srgbClr val="7030A0"/>
+            </a:solidFill>
+            <a:headEnd type="none" w="med" len="med"/>
+            <a:tailEnd type="arrow" w="med" len="med"/>
+          </a:ln>
+          <a:effectLst/>
+        </p:spPr>
+        <p:style>
+          <a:lnRef idx="1">
+            <a:schemeClr val="accent2"/>
+          </a:lnRef>
+          <a:fillRef idx="2">
+            <a:schemeClr val="accent2"/>
+          </a:fillRef>
+          <a:effectRef idx="1">
+            <a:schemeClr val="accent2"/>
+          </a:effectRef>
+          <a:fontRef idx="minor">
+            <a:schemeClr val="dk1"/>
+          </a:fontRef>
+        </p:style>
+      </p:cxnSp>
+      <p:sp>
+        <p:nvSpPr>
+          <p:cNvPr id="73" name="Rectangle 8">
+            <a:extLst>
+              <a:ext uri="{FF2B5EF4-FFF2-40B4-BE49-F238E27FC236}">
+                <a16:creationId xmlns:a16="http://schemas.microsoft.com/office/drawing/2014/main" id="{A3EA9D17-0409-4BE0-BE9C-AD7C0AACE938}"/>
+              </a:ext>
+            </a:extLst>
+          </p:cNvPr>
+          <p:cNvSpPr/>
+          <p:nvPr/>
+        </p:nvSpPr>
+        <p:spPr>
+          <a:xfrm>
+            <a:off x="4771730" y="4362935"/>
+            <a:ext cx="1156969" cy="346760"/>
+          </a:xfrm>
+          <a:prstGeom prst="rect">
+            <a:avLst/>
+          </a:prstGeom>
+          <a:ln w="19050">
+            <a:solidFill>
+              <a:srgbClr val="7030A0"/>
+            </a:solidFill>
+          </a:ln>
+          <a:effectLst/>
+        </p:spPr>
+        <p:style>
+          <a:lnRef idx="1">
+            <a:schemeClr val="accent4"/>
+          </a:lnRef>
+          <a:fillRef idx="2">
+            <a:schemeClr val="accent4"/>
+          </a:fillRef>
+          <a:effectRef idx="1">
+            <a:schemeClr val="accent4"/>
+          </a:effectRef>
+          <a:fontRef idx="minor">
+            <a:schemeClr val="dk1"/>
+          </a:fontRef>
+        </p:style>
+        <p:txBody>
+          <a:bodyPr rtlCol="0" anchor="ctr"/>
+          <a:lstStyle/>
+          <a:p>
+            <a:pPr algn="ctr"/>
+            <a:r>
+              <a:rPr lang="en-US" sz="1050" dirty="0" err="1">
+                <a:solidFill>
+                  <a:srgbClr val="7030A0"/>
+                </a:solidFill>
+              </a:rPr>
+              <a:t>UniqueProjectList</a:t>
+            </a:r>
+            <a:endParaRPr lang="en-SG" sz="1050" dirty="0">
+              <a:solidFill>
+                <a:srgbClr val="7030A0"/>
+              </a:solidFill>
+            </a:endParaRPr>
+          </a:p>
+        </p:txBody>
+      </p:sp>
+      <p:sp>
+        <p:nvSpPr>
+          <p:cNvPr id="74" name="Rectangle 8">
+            <a:extLst>
+              <a:ext uri="{FF2B5EF4-FFF2-40B4-BE49-F238E27FC236}">
+                <a16:creationId xmlns:a16="http://schemas.microsoft.com/office/drawing/2014/main" id="{EFB3957C-164F-455D-80FA-FEF1647224AE}"/>
+              </a:ext>
+            </a:extLst>
+          </p:cNvPr>
+          <p:cNvSpPr/>
+          <p:nvPr/>
+        </p:nvSpPr>
+        <p:spPr>
+          <a:xfrm>
+            <a:off x="6392757" y="4374839"/>
+            <a:ext cx="708186" cy="346760"/>
+          </a:xfrm>
+          <a:prstGeom prst="rect">
+            <a:avLst/>
+          </a:prstGeom>
+          <a:ln w="19050">
+            <a:solidFill>
+              <a:srgbClr val="7030A0"/>
+            </a:solidFill>
+          </a:ln>
+          <a:effectLst/>
+        </p:spPr>
+        <p:style>
+          <a:lnRef idx="1">
+            <a:schemeClr val="accent4"/>
+          </a:lnRef>
+          <a:fillRef idx="2">
+            <a:schemeClr val="accent4"/>
+          </a:fillRef>
+          <a:effectRef idx="1">
+            <a:schemeClr val="accent4"/>
+          </a:effectRef>
+          <a:fontRef idx="minor">
+            <a:schemeClr val="dk1"/>
+          </a:fontRef>
+        </p:style>
+        <p:txBody>
+          <a:bodyPr rtlCol="0" anchor="ctr"/>
+          <a:lstStyle/>
+          <a:p>
+            <a:pPr algn="ctr"/>
+            <a:r>
+              <a:rPr lang="en-US" sz="1050" dirty="0">
+                <a:solidFill>
+                  <a:srgbClr val="7030A0"/>
+                </a:solidFill>
+              </a:rPr>
+              <a:t>Project</a:t>
+            </a:r>
+            <a:endParaRPr lang="en-SG" sz="1050" dirty="0">
+              <a:solidFill>
+                <a:srgbClr val="7030A0"/>
+              </a:solidFill>
+            </a:endParaRPr>
+          </a:p>
+        </p:txBody>
+      </p:sp>
+      <p:sp>
+        <p:nvSpPr>
+          <p:cNvPr id="77" name="Flowchart: Decision 96">
+            <a:extLst>
+              <a:ext uri="{FF2B5EF4-FFF2-40B4-BE49-F238E27FC236}">
+                <a16:creationId xmlns:a16="http://schemas.microsoft.com/office/drawing/2014/main" id="{781CD3AD-E1B1-4730-9C9C-D17BF69A0BA2}"/>
+              </a:ext>
+            </a:extLst>
+          </p:cNvPr>
+          <p:cNvSpPr/>
+          <p:nvPr/>
+        </p:nvSpPr>
+        <p:spPr>
+          <a:xfrm>
+            <a:off x="5937831" y="4458449"/>
+            <a:ext cx="236048" cy="173380"/>
+          </a:xfrm>
+          <a:prstGeom prst="flowChartDecision">
+            <a:avLst/>
+          </a:prstGeom>
+          <a:noFill/>
+          <a:ln w="19050">
+            <a:solidFill>
+              <a:srgbClr val="7030A0"/>
+            </a:solidFill>
+          </a:ln>
+          <a:effectLst/>
+        </p:spPr>
+        <p:style>
+          <a:lnRef idx="1">
+            <a:schemeClr val="accent6"/>
+          </a:lnRef>
+          <a:fillRef idx="2">
+            <a:schemeClr val="accent6"/>
+          </a:fillRef>
+          <a:effectRef idx="1">
+            <a:schemeClr val="accent6"/>
+          </a:effectRef>
+          <a:fontRef idx="minor">
+            <a:schemeClr val="dk1"/>
+          </a:fontRef>
+        </p:style>
+        <p:txBody>
+          <a:bodyPr rtlCol="0" anchor="ctr"/>
+          <a:lstStyle/>
+          <a:p>
+            <a:pPr algn="ctr"/>
+            <a:endParaRPr lang="en-US" sz="1050"/>
+          </a:p>
+        </p:txBody>
+      </p:sp>
+      <p:sp>
+        <p:nvSpPr>
+          <p:cNvPr id="82" name="TextBox 81">
+            <a:extLst>
+              <a:ext uri="{FF2B5EF4-FFF2-40B4-BE49-F238E27FC236}">
+                <a16:creationId xmlns:a16="http://schemas.microsoft.com/office/drawing/2014/main" id="{3BE06ED5-333C-4461-8F84-9422F5F89F29}"/>
+              </a:ext>
+            </a:extLst>
+          </p:cNvPr>
+          <p:cNvSpPr txBox="1"/>
+          <p:nvPr/>
+        </p:nvSpPr>
+        <p:spPr>
+          <a:xfrm rot="16200000">
+            <a:off x="6441155" y="5064978"/>
+            <a:ext cx="881018" cy="261610"/>
+          </a:xfrm>
+          <a:prstGeom prst="rect">
+            <a:avLst/>
+          </a:prstGeom>
+          <a:noFill/>
+        </p:spPr>
+        <p:txBody>
+          <a:bodyPr wrap="square" rtlCol="0">
+            <a:spAutoFit/>
+          </a:bodyPr>
+          <a:lstStyle/>
+          <a:p>
+            <a:pPr algn="r"/>
+            <a:r>
+              <a:rPr lang="en-US" sz="1100" dirty="0">
+                <a:solidFill>
+                  <a:srgbClr val="7030A0"/>
+                </a:solidFill>
+              </a:rPr>
+              <a:t>filtered list</a:t>
+            </a:r>
+            <a:endParaRPr lang="en-SG" sz="1100" dirty="0">
+              <a:solidFill>
+                <a:srgbClr val="7030A0"/>
+              </a:solidFill>
+            </a:endParaRPr>
+          </a:p>
+        </p:txBody>
+      </p:sp>
+      <p:cxnSp>
+        <p:nvCxnSpPr>
+          <p:cNvPr id="87" name="Straight Arrow Connector 86">
+            <a:extLst>
+              <a:ext uri="{FF2B5EF4-FFF2-40B4-BE49-F238E27FC236}">
+                <a16:creationId xmlns:a16="http://schemas.microsoft.com/office/drawing/2014/main" id="{7A23E19A-FD6F-47C3-98E6-E7A02E12F314}"/>
+              </a:ext>
+            </a:extLst>
+          </p:cNvPr>
+          <p:cNvCxnSpPr>
+            <a:endCxn id="73" idx="1"/>
+          </p:cNvCxnSpPr>
+          <p:nvPr/>
+        </p:nvCxnSpPr>
+        <p:spPr>
+          <a:xfrm>
+            <a:off x="4404052" y="4523995"/>
+            <a:ext cx="367678" cy="12320"/>
+          </a:xfrm>
+          <a:prstGeom prst="straightConnector1">
+            <a:avLst/>
+          </a:prstGeom>
+          <a:ln w="19050">
+            <a:solidFill>
+              <a:srgbClr val="7030A0"/>
+            </a:solidFill>
+            <a:headEnd type="none" w="med" len="med"/>
+            <a:tailEnd type="arrow" w="med" len="med"/>
+          </a:ln>
+          <a:effectLst/>
+        </p:spPr>
+        <p:style>
+          <a:lnRef idx="1">
+            <a:schemeClr val="accent2"/>
+          </a:lnRef>
+          <a:fillRef idx="2">
+            <a:schemeClr val="accent2"/>
+          </a:fillRef>
+          <a:effectRef idx="1">
+            <a:schemeClr val="accent2"/>
+          </a:effectRef>
+          <a:fontRef idx="minor">
+            <a:schemeClr val="dk1"/>
+          </a:fontRef>
+        </p:style>
+      </p:cxnSp>
+      <p:cxnSp>
+        <p:nvCxnSpPr>
+          <p:cNvPr id="14" name="Connector: Elbow 13">
+            <a:extLst>
+              <a:ext uri="{FF2B5EF4-FFF2-40B4-BE49-F238E27FC236}">
+                <a16:creationId xmlns:a16="http://schemas.microsoft.com/office/drawing/2014/main" id="{FEDA6ED8-9637-4131-998D-C03F70375C71}"/>
+              </a:ext>
+            </a:extLst>
+          </p:cNvPr>
+          <p:cNvCxnSpPr>
+            <a:endCxn id="62" idx="2"/>
+          </p:cNvCxnSpPr>
+          <p:nvPr/>
+        </p:nvCxnSpPr>
+        <p:spPr>
+          <a:xfrm flipV="1">
+            <a:off x="2373780" y="2323807"/>
+            <a:ext cx="4293990" cy="833774"/>
+          </a:xfrm>
+          <a:prstGeom prst="bentConnector2">
+            <a:avLst/>
+          </a:prstGeom>
+          <a:ln w="19050">
+            <a:solidFill>
+              <a:srgbClr val="7030A0"/>
+            </a:solidFill>
+            <a:tailEnd type="triangle"/>
+          </a:ln>
+        </p:spPr>
+        <p:style>
+          <a:lnRef idx="1">
+            <a:schemeClr val="accent4"/>
+          </a:lnRef>
+          <a:fillRef idx="0">
+            <a:schemeClr val="accent4"/>
+          </a:fillRef>
+          <a:effectRef idx="0">
+            <a:schemeClr val="accent4"/>
+          </a:effectRef>
+          <a:fontRef idx="minor">
+            <a:schemeClr val="tx1"/>
+          </a:fontRef>
+        </p:style>
+      </p:cxnSp>
+      <p:sp>
+        <p:nvSpPr>
+          <p:cNvPr id="88" name="Flowchart: Decision 96">
+            <a:extLst>
+              <a:ext uri="{FF2B5EF4-FFF2-40B4-BE49-F238E27FC236}">
+                <a16:creationId xmlns:a16="http://schemas.microsoft.com/office/drawing/2014/main" id="{0EBD67C6-2FFC-4AFA-AC6D-68F51E3F056D}"/>
+              </a:ext>
+            </a:extLst>
+          </p:cNvPr>
+          <p:cNvSpPr/>
+          <p:nvPr/>
+        </p:nvSpPr>
+        <p:spPr>
+          <a:xfrm>
+            <a:off x="2388312" y="4422112"/>
+            <a:ext cx="236048" cy="173380"/>
+          </a:xfrm>
+          <a:prstGeom prst="flowChartDecision">
+            <a:avLst/>
+          </a:prstGeom>
+          <a:noFill/>
+          <a:ln w="19050">
+            <a:solidFill>
+              <a:srgbClr val="7030A0"/>
+            </a:solidFill>
+          </a:ln>
+          <a:effectLst/>
+        </p:spPr>
+        <p:style>
+          <a:lnRef idx="1">
+            <a:schemeClr val="accent6"/>
+          </a:lnRef>
+          <a:fillRef idx="2">
+            <a:schemeClr val="accent6"/>
+          </a:fillRef>
+          <a:effectRef idx="1">
+            <a:schemeClr val="accent6"/>
+          </a:effectRef>
+          <a:fontRef idx="minor">
+            <a:schemeClr val="dk1"/>
+          </a:fontRef>
+        </p:style>
+        <p:txBody>
+          <a:bodyPr rtlCol="0" anchor="ctr"/>
+          <a:lstStyle/>
+          <a:p>
+            <a:pPr algn="ctr"/>
+            <a:endParaRPr lang="en-US" sz="1050"/>
+          </a:p>
+        </p:txBody>
+      </p:sp>
+      <p:sp>
+        <p:nvSpPr>
+          <p:cNvPr id="90" name="TextBox 89">
+            <a:extLst>
+              <a:ext uri="{FF2B5EF4-FFF2-40B4-BE49-F238E27FC236}">
+                <a16:creationId xmlns:a16="http://schemas.microsoft.com/office/drawing/2014/main" id="{FA5716A2-B0F7-41DB-AC7C-102D461EBE4B}"/>
+              </a:ext>
+            </a:extLst>
+          </p:cNvPr>
+          <p:cNvSpPr txBox="1"/>
+          <p:nvPr/>
+        </p:nvSpPr>
+        <p:spPr>
+          <a:xfrm>
+            <a:off x="2725794" y="2028096"/>
+            <a:ext cx="170110" cy="137542"/>
+          </a:xfrm>
+          <a:prstGeom prst="rect">
+            <a:avLst/>
+          </a:prstGeom>
+          <a:noFill/>
+        </p:spPr>
+        <p:txBody>
+          <a:bodyPr wrap="square" lIns="0" tIns="0" rIns="0" bIns="0" rtlCol="0">
+            <a:noAutofit/>
+          </a:bodyPr>
+          <a:lstStyle/>
+          <a:p>
+            <a:pPr algn="ctr"/>
+            <a:r>
+              <a:rPr lang="en-US" sz="1100" dirty="0">
+                <a:solidFill>
+                  <a:srgbClr val="7030A0"/>
+                </a:solidFill>
+              </a:rPr>
+              <a:t>1</a:t>
+            </a:r>
+            <a:endParaRPr lang="en-SG" sz="1100" dirty="0">
+              <a:solidFill>
+                <a:srgbClr val="7030A0"/>
+              </a:solidFill>
+            </a:endParaRPr>
+          </a:p>
+        </p:txBody>
+      </p:sp>
+      <p:sp>
+        <p:nvSpPr>
+          <p:cNvPr id="15" name="Rectangle 14">
+            <a:extLst>
+              <a:ext uri="{FF2B5EF4-FFF2-40B4-BE49-F238E27FC236}">
+                <a16:creationId xmlns:a16="http://schemas.microsoft.com/office/drawing/2014/main" id="{1DC9B0D3-7F79-46E7-BDED-48D7B441B771}"/>
+              </a:ext>
+            </a:extLst>
+          </p:cNvPr>
+          <p:cNvSpPr/>
+          <p:nvPr/>
+        </p:nvSpPr>
+        <p:spPr>
+          <a:xfrm>
+            <a:off x="2477784" y="4113581"/>
+            <a:ext cx="435930" cy="307777"/>
+          </a:xfrm>
+          <a:prstGeom prst="rect">
+            <a:avLst/>
+          </a:prstGeom>
+        </p:spPr>
+        <p:txBody>
+          <a:bodyPr wrap="square">
+            <a:spAutoFit/>
+          </a:bodyPr>
+          <a:lstStyle/>
+          <a:p>
+            <a:r>
+              <a:rPr lang="en-US" sz="1400" dirty="0">
+                <a:solidFill>
+                  <a:srgbClr val="7030A0"/>
+                </a:solidFill>
+              </a:rPr>
+              <a:t>1</a:t>
+            </a:r>
+            <a:endParaRPr lang="en-SG" dirty="0"/>
+          </a:p>
+        </p:txBody>
+      </p:sp>
+      <p:sp>
+        <p:nvSpPr>
+          <p:cNvPr id="92" name="Flowchart: Decision 96">
+            <a:extLst>
+              <a:ext uri="{FF2B5EF4-FFF2-40B4-BE49-F238E27FC236}">
+                <a16:creationId xmlns:a16="http://schemas.microsoft.com/office/drawing/2014/main" id="{35547420-A03E-4B07-AF39-8B67A8582F9B}"/>
+              </a:ext>
+            </a:extLst>
+          </p:cNvPr>
+          <p:cNvSpPr/>
+          <p:nvPr/>
+        </p:nvSpPr>
+        <p:spPr>
+          <a:xfrm>
+            <a:off x="4283177" y="4422112"/>
+            <a:ext cx="236048" cy="173380"/>
+          </a:xfrm>
+          <a:prstGeom prst="flowChartDecision">
+            <a:avLst/>
+          </a:prstGeom>
+          <a:solidFill>
+            <a:srgbClr val="7030A0"/>
+          </a:solidFill>
+          <a:ln w="19050">
+            <a:solidFill>
+              <a:srgbClr val="7030A0"/>
+            </a:solidFill>
+          </a:ln>
+          <a:effectLst/>
+        </p:spPr>
+        <p:style>
+          <a:lnRef idx="1">
+            <a:schemeClr val="accent6"/>
+          </a:lnRef>
+          <a:fillRef idx="2">
+            <a:schemeClr val="accent6"/>
+          </a:fillRef>
+          <a:effectRef idx="1">
+            <a:schemeClr val="accent6"/>
+          </a:effectRef>
+          <a:fontRef idx="minor">
+            <a:schemeClr val="dk1"/>
+          </a:fontRef>
+        </p:style>
+        <p:txBody>
+          <a:bodyPr rtlCol="0" anchor="ctr"/>
+          <a:lstStyle/>
+          <a:p>
+            <a:pPr algn="ctr"/>
+            <a:endParaRPr lang="en-US" sz="1050"/>
+          </a:p>
+        </p:txBody>
+      </p:sp>
+      <p:sp>
+        <p:nvSpPr>
+          <p:cNvPr id="93" name="TextBox 92">
+            <a:extLst>
+              <a:ext uri="{FF2B5EF4-FFF2-40B4-BE49-F238E27FC236}">
+                <a16:creationId xmlns:a16="http://schemas.microsoft.com/office/drawing/2014/main" id="{9C8F8DCA-7880-4D11-83AB-9D2E10B5A831}"/>
+              </a:ext>
+            </a:extLst>
+          </p:cNvPr>
+          <p:cNvSpPr txBox="1"/>
+          <p:nvPr/>
+        </p:nvSpPr>
+        <p:spPr>
+          <a:xfrm>
+            <a:off x="4471323" y="4544482"/>
+            <a:ext cx="189257" cy="178683"/>
+          </a:xfrm>
+          <a:prstGeom prst="rect">
+            <a:avLst/>
+          </a:prstGeom>
+          <a:noFill/>
+        </p:spPr>
+        <p:txBody>
+          <a:bodyPr wrap="square" lIns="0" tIns="0" rIns="0" bIns="0" rtlCol="0">
+            <a:noAutofit/>
+          </a:bodyPr>
+          <a:lstStyle/>
+          <a:p>
+            <a:pPr algn="ctr"/>
+            <a:r>
+              <a:rPr lang="en-US" sz="1100" dirty="0">
+                <a:solidFill>
+                  <a:srgbClr val="7030A0"/>
+                </a:solidFill>
+              </a:rPr>
+              <a:t>1</a:t>
+            </a:r>
+            <a:endParaRPr lang="en-SG" sz="1100" dirty="0">
+              <a:solidFill>
+                <a:srgbClr val="7030A0"/>
+              </a:solidFill>
+            </a:endParaRPr>
+          </a:p>
+        </p:txBody>
+      </p:sp>
+      <p:cxnSp>
+        <p:nvCxnSpPr>
+          <p:cNvPr id="94" name="Elbow Connector 63">
+            <a:extLst>
+              <a:ext uri="{FF2B5EF4-FFF2-40B4-BE49-F238E27FC236}">
+                <a16:creationId xmlns:a16="http://schemas.microsoft.com/office/drawing/2014/main" id="{34890488-5B1F-475D-8918-30ADC5F8F93A}"/>
+              </a:ext>
+            </a:extLst>
+          </p:cNvPr>
+          <p:cNvCxnSpPr/>
+          <p:nvPr/>
+        </p:nvCxnSpPr>
+        <p:spPr>
+          <a:xfrm>
+            <a:off x="6178591" y="4550802"/>
+            <a:ext cx="218878" cy="3080"/>
+          </a:xfrm>
+          <a:prstGeom prst="bentConnector3">
+            <a:avLst/>
+          </a:prstGeom>
+          <a:ln w="19050">
+            <a:solidFill>
+              <a:srgbClr val="7030A0"/>
+            </a:solidFill>
+            <a:headEnd type="none" w="med" len="med"/>
+            <a:tailEnd type="arrow" w="med" len="med"/>
+          </a:ln>
+          <a:effectLst/>
+        </p:spPr>
+        <p:style>
+          <a:lnRef idx="1">
+            <a:schemeClr val="accent2"/>
+          </a:lnRef>
+          <a:fillRef idx="2">
+            <a:schemeClr val="accent2"/>
+          </a:fillRef>
+          <a:effectRef idx="1">
+            <a:schemeClr val="accent2"/>
+          </a:effectRef>
+          <a:fontRef idx="minor">
+            <a:schemeClr val="dk1"/>
+          </a:fontRef>
+        </p:style>
+      </p:cxnSp>
+      <p:sp>
+        <p:nvSpPr>
+          <p:cNvPr id="95" name="TextBox 94">
+            <a:extLst>
+              <a:ext uri="{FF2B5EF4-FFF2-40B4-BE49-F238E27FC236}">
+                <a16:creationId xmlns:a16="http://schemas.microsoft.com/office/drawing/2014/main" id="{82812BCE-55DC-49F4-AD51-A7E8D2569A09}"/>
+              </a:ext>
+            </a:extLst>
+          </p:cNvPr>
+          <p:cNvSpPr txBox="1"/>
+          <p:nvPr/>
+        </p:nvSpPr>
+        <p:spPr>
+          <a:xfrm>
+            <a:off x="6219048" y="4620353"/>
+            <a:ext cx="189257" cy="178683"/>
+          </a:xfrm>
+          <a:prstGeom prst="rect">
+            <a:avLst/>
+          </a:prstGeom>
+          <a:noFill/>
+        </p:spPr>
+        <p:txBody>
+          <a:bodyPr wrap="square" lIns="0" tIns="0" rIns="0" bIns="0" rtlCol="0">
+            <a:noAutofit/>
+          </a:bodyPr>
+          <a:lstStyle/>
+          <a:p>
+            <a:pPr algn="ctr"/>
+            <a:r>
+              <a:rPr lang="en-US" sz="1100" dirty="0">
+                <a:solidFill>
+                  <a:srgbClr val="7030A0"/>
+                </a:solidFill>
+              </a:rPr>
+              <a:t>*</a:t>
+            </a:r>
+            <a:endParaRPr lang="en-SG" sz="1100" dirty="0">
+              <a:solidFill>
+                <a:srgbClr val="7030A0"/>
+              </a:solidFill>
+            </a:endParaRPr>
+          </a:p>
+        </p:txBody>
+      </p:sp>
+      <p:cxnSp>
+        <p:nvCxnSpPr>
+          <p:cNvPr id="96" name="Connector: Elbow 95">
+            <a:extLst>
+              <a:ext uri="{FF2B5EF4-FFF2-40B4-BE49-F238E27FC236}">
+                <a16:creationId xmlns:a16="http://schemas.microsoft.com/office/drawing/2014/main" id="{35C58CC9-969C-48AE-ABC7-A03D9E69E3EF}"/>
+              </a:ext>
+            </a:extLst>
+          </p:cNvPr>
+          <p:cNvCxnSpPr>
+            <a:cxnSpLocks/>
+            <a:endCxn id="74" idx="2"/>
+          </p:cNvCxnSpPr>
+          <p:nvPr/>
+        </p:nvCxnSpPr>
+        <p:spPr>
+          <a:xfrm flipV="1">
+            <a:off x="2322259" y="4721599"/>
+            <a:ext cx="4424591" cy="246480"/>
+          </a:xfrm>
+          <a:prstGeom prst="bentConnector2">
+            <a:avLst/>
+          </a:prstGeom>
+          <a:ln w="19050">
+            <a:solidFill>
+              <a:srgbClr val="7030A0"/>
+            </a:solidFill>
+            <a:tailEnd type="triangle"/>
+          </a:ln>
+        </p:spPr>
+        <p:style>
+          <a:lnRef idx="1">
+            <a:schemeClr val="accent4"/>
+          </a:lnRef>
+          <a:fillRef idx="0">
+            <a:schemeClr val="accent4"/>
+          </a:fillRef>
+          <a:effectRef idx="0">
+            <a:schemeClr val="accent4"/>
+          </a:effectRef>
+          <a:fontRef idx="minor">
+            <a:schemeClr val="tx1"/>
+          </a:fontRef>
+        </p:style>
+      </p:cxnSp>
+      <p:cxnSp>
+        <p:nvCxnSpPr>
+          <p:cNvPr id="108" name="Elbow Connector 63">
+            <a:extLst>
+              <a:ext uri="{FF2B5EF4-FFF2-40B4-BE49-F238E27FC236}">
+                <a16:creationId xmlns:a16="http://schemas.microsoft.com/office/drawing/2014/main" id="{4B50B282-336B-4493-84B9-EAD4CB1C12A8}"/>
+              </a:ext>
+            </a:extLst>
+          </p:cNvPr>
+          <p:cNvCxnSpPr>
+            <a:cxnSpLocks/>
+          </p:cNvCxnSpPr>
+          <p:nvPr/>
+        </p:nvCxnSpPr>
+        <p:spPr>
+          <a:xfrm rot="16200000" flipH="1">
+            <a:off x="3260491" y="4206361"/>
+            <a:ext cx="274076" cy="1"/>
+          </a:xfrm>
+          <a:prstGeom prst="bentConnector3">
+            <a:avLst>
+              <a:gd name="adj1" fmla="val 50000"/>
+            </a:avLst>
+          </a:prstGeom>
+          <a:ln w="19050">
+            <a:solidFill>
+              <a:srgbClr val="7030A0"/>
+            </a:solidFill>
+            <a:prstDash val="sysDot"/>
+            <a:headEnd type="none" w="med" len="med"/>
+            <a:tailEnd type="none" w="med" len="med"/>
+          </a:ln>
+          <a:effectLst/>
+        </p:spPr>
+        <p:style>
+          <a:lnRef idx="1">
+            <a:schemeClr val="accent2"/>
+          </a:lnRef>
+          <a:fillRef idx="2">
+            <a:schemeClr val="accent2"/>
+          </a:fillRef>
+          <a:effectRef idx="1">
+            <a:schemeClr val="accent2"/>
+          </a:effectRef>
+          <a:fontRef idx="minor">
+            <a:schemeClr val="dk1"/>
+          </a:fontRef>
+        </p:style>
+      </p:cxnSp>
+      <p:sp>
+        <p:nvSpPr>
+          <p:cNvPr id="109" name="Isosceles Triangle 102">
+            <a:extLst>
+              <a:ext uri="{FF2B5EF4-FFF2-40B4-BE49-F238E27FC236}">
+                <a16:creationId xmlns:a16="http://schemas.microsoft.com/office/drawing/2014/main" id="{39720318-6C86-46EE-A317-9D53D1F31186}"/>
+              </a:ext>
+            </a:extLst>
+          </p:cNvPr>
+          <p:cNvSpPr/>
+          <p:nvPr/>
+        </p:nvSpPr>
+        <p:spPr>
+          <a:xfrm rot="10800000" flipV="1">
+            <a:off x="3256336" y="3951141"/>
+            <a:ext cx="282387" cy="157062"/>
+          </a:xfrm>
+          <a:prstGeom prst="triangle">
+            <a:avLst/>
+          </a:prstGeom>
+          <a:solidFill>
+            <a:schemeClr val="accent4">
+              <a:lumMod val="20000"/>
+              <a:lumOff val="80000"/>
+            </a:schemeClr>
+          </a:solidFill>
+          <a:ln w="19050">
+            <a:solidFill>
+              <a:srgbClr val="7030A0"/>
+            </a:solidFill>
+          </a:ln>
+          <a:effectLst/>
+        </p:spPr>
+        <p:style>
+          <a:lnRef idx="1">
+            <a:schemeClr val="accent4"/>
+          </a:lnRef>
+          <a:fillRef idx="2">
+            <a:schemeClr val="accent4"/>
+          </a:fillRef>
+          <a:effectRef idx="1">
+            <a:schemeClr val="accent4"/>
+          </a:effectRef>
+          <a:fontRef idx="minor">
+            <a:schemeClr val="dk1"/>
+          </a:fontRef>
+        </p:style>
+        <p:txBody>
+          <a:bodyPr rtlCol="0" anchor="ctr"/>
+          <a:lstStyle/>
+          <a:p>
+            <a:pPr algn="ctr"/>
+            <a:endParaRPr lang="en-SG" sz="1050" b="1">
+              <a:solidFill>
+                <a:srgbClr val="92D050"/>
+              </a:solidFill>
+            </a:endParaRPr>
+          </a:p>
+        </p:txBody>
+      </p:sp>
+      <p:sp>
+        <p:nvSpPr>
+          <p:cNvPr id="110" name="Rectangle 8">
+            <a:extLst>
+              <a:ext uri="{FF2B5EF4-FFF2-40B4-BE49-F238E27FC236}">
+                <a16:creationId xmlns:a16="http://schemas.microsoft.com/office/drawing/2014/main" id="{5E27F434-C709-4645-94FE-9C62421FFA08}"/>
+              </a:ext>
+            </a:extLst>
+          </p:cNvPr>
+          <p:cNvSpPr/>
+          <p:nvPr/>
+        </p:nvSpPr>
+        <p:spPr>
+          <a:xfrm>
+            <a:off x="4365073" y="3535714"/>
+            <a:ext cx="1443661" cy="364396"/>
+          </a:xfrm>
+          <a:prstGeom prst="rect">
+            <a:avLst/>
+          </a:prstGeom>
+          <a:ln w="19050">
+            <a:solidFill>
+              <a:srgbClr val="7030A0"/>
+            </a:solidFill>
+          </a:ln>
+          <a:effectLst/>
+        </p:spPr>
+        <p:style>
+          <a:lnRef idx="1">
+            <a:schemeClr val="accent4"/>
+          </a:lnRef>
+          <a:fillRef idx="2">
+            <a:schemeClr val="accent4"/>
+          </a:fillRef>
+          <a:effectRef idx="1">
+            <a:schemeClr val="accent4"/>
+          </a:effectRef>
+          <a:fontRef idx="minor">
+            <a:schemeClr val="dk1"/>
+          </a:fontRef>
+        </p:style>
+        <p:txBody>
+          <a:bodyPr rtlCol="0" anchor="ctr"/>
+          <a:lstStyle/>
+          <a:p>
+            <a:pPr algn="ctr"/>
+            <a:r>
+              <a:rPr lang="en-US" sz="1050" dirty="0">
+                <a:solidFill>
+                  <a:srgbClr val="7030A0"/>
+                </a:solidFill>
+              </a:rPr>
+              <a:t>&lt;&lt;interface&gt;&gt;</a:t>
+            </a:r>
+            <a:br>
+              <a:rPr lang="en-US" sz="1050" dirty="0">
+                <a:solidFill>
+                  <a:srgbClr val="7030A0"/>
+                </a:solidFill>
+              </a:rPr>
+            </a:br>
+            <a:r>
+              <a:rPr lang="en-US" sz="1050" dirty="0" err="1">
+                <a:solidFill>
+                  <a:srgbClr val="7030A0"/>
+                </a:solidFill>
+              </a:rPr>
+              <a:t>ReadOnlyProjectList</a:t>
+            </a:r>
+            <a:endParaRPr lang="en-SG" sz="1050" dirty="0">
+              <a:solidFill>
+                <a:srgbClr val="7030A0"/>
+              </a:solidFill>
+            </a:endParaRPr>
+          </a:p>
+        </p:txBody>
+      </p:sp>
+      <p:sp>
+        <p:nvSpPr>
+          <p:cNvPr id="111" name="Rectangle 8">
+            <a:extLst>
+              <a:ext uri="{FF2B5EF4-FFF2-40B4-BE49-F238E27FC236}">
+                <a16:creationId xmlns:a16="http://schemas.microsoft.com/office/drawing/2014/main" id="{909EE065-C043-46F6-8B24-B245455567AF}"/>
+              </a:ext>
+            </a:extLst>
+          </p:cNvPr>
+          <p:cNvSpPr/>
+          <p:nvPr/>
+        </p:nvSpPr>
+        <p:spPr>
+          <a:xfrm>
+            <a:off x="2864218" y="3562937"/>
+            <a:ext cx="1060683" cy="364396"/>
+          </a:xfrm>
+          <a:prstGeom prst="rect">
+            <a:avLst/>
+          </a:prstGeom>
+          <a:ln w="19050">
+            <a:solidFill>
+              <a:srgbClr val="7030A0"/>
+            </a:solidFill>
+          </a:ln>
+          <a:effectLst/>
+        </p:spPr>
+        <p:style>
+          <a:lnRef idx="1">
+            <a:schemeClr val="accent4"/>
+          </a:lnRef>
+          <a:fillRef idx="2">
+            <a:schemeClr val="accent4"/>
+          </a:fillRef>
+          <a:effectRef idx="1">
+            <a:schemeClr val="accent4"/>
+          </a:effectRef>
+          <a:fontRef idx="minor">
+            <a:schemeClr val="dk1"/>
+          </a:fontRef>
+        </p:style>
+        <p:txBody>
+          <a:bodyPr rtlCol="0" anchor="ctr"/>
+          <a:lstStyle/>
+          <a:p>
+            <a:pPr algn="ctr"/>
+            <a:r>
+              <a:rPr lang="en-US" sz="1050" dirty="0" err="1">
+                <a:solidFill>
+                  <a:srgbClr val="7030A0"/>
+                </a:solidFill>
+              </a:rPr>
+              <a:t>ProjectList</a:t>
+            </a:r>
+            <a:endParaRPr lang="en-SG" sz="1050" dirty="0">
+              <a:solidFill>
+                <a:srgbClr val="7030A0"/>
+              </a:solidFill>
+            </a:endParaRPr>
+          </a:p>
+        </p:txBody>
+      </p:sp>
+      <p:sp>
+        <p:nvSpPr>
+          <p:cNvPr id="112" name="Isosceles Triangle 102">
+            <a:extLst>
+              <a:ext uri="{FF2B5EF4-FFF2-40B4-BE49-F238E27FC236}">
+                <a16:creationId xmlns:a16="http://schemas.microsoft.com/office/drawing/2014/main" id="{57C52B7E-C833-4365-ACE8-B662C2896A27}"/>
+              </a:ext>
+            </a:extLst>
+          </p:cNvPr>
+          <p:cNvSpPr/>
+          <p:nvPr/>
+        </p:nvSpPr>
+        <p:spPr>
+          <a:xfrm rot="5400000">
+            <a:off x="4154994" y="3642522"/>
+            <a:ext cx="271014" cy="187417"/>
+          </a:xfrm>
+          <a:prstGeom prst="triangle">
+            <a:avLst>
+              <a:gd name="adj" fmla="val 44517"/>
+            </a:avLst>
+          </a:prstGeom>
+          <a:solidFill>
+            <a:schemeClr val="accent4">
+              <a:lumMod val="20000"/>
+              <a:lumOff val="80000"/>
+            </a:schemeClr>
+          </a:solidFill>
+          <a:ln w="19050">
+            <a:solidFill>
+              <a:srgbClr val="7030A0"/>
+            </a:solidFill>
+          </a:ln>
+          <a:effectLst/>
+        </p:spPr>
+        <p:style>
+          <a:lnRef idx="1">
+            <a:schemeClr val="accent6"/>
+          </a:lnRef>
+          <a:fillRef idx="2">
+            <a:schemeClr val="accent6"/>
+          </a:fillRef>
+          <a:effectRef idx="1">
+            <a:schemeClr val="accent6"/>
+          </a:effectRef>
+          <a:fontRef idx="minor">
+            <a:schemeClr val="dk1"/>
+          </a:fontRef>
+        </p:style>
+        <p:txBody>
+          <a:bodyPr rtlCol="0" anchor="ctr"/>
+          <a:lstStyle/>
+          <a:p>
+            <a:pPr algn="ctr"/>
+            <a:endParaRPr lang="en-SG" sz="1050"/>
+          </a:p>
+        </p:txBody>
+      </p:sp>
+      <p:cxnSp>
+        <p:nvCxnSpPr>
+          <p:cNvPr id="113" name="Elbow Connector 63">
+            <a:extLst>
+              <a:ext uri="{FF2B5EF4-FFF2-40B4-BE49-F238E27FC236}">
+                <a16:creationId xmlns:a16="http://schemas.microsoft.com/office/drawing/2014/main" id="{165A89A4-03BB-46E0-9A56-C4383AD2B87E}"/>
+              </a:ext>
+            </a:extLst>
+          </p:cNvPr>
+          <p:cNvCxnSpPr>
+            <a:cxnSpLocks/>
+          </p:cNvCxnSpPr>
+          <p:nvPr/>
+        </p:nvCxnSpPr>
+        <p:spPr>
+          <a:xfrm>
+            <a:off x="3924901" y="3727453"/>
+            <a:ext cx="271892" cy="2821"/>
+          </a:xfrm>
+          <a:prstGeom prst="bentConnector3">
+            <a:avLst>
+              <a:gd name="adj1" fmla="val 50000"/>
+            </a:avLst>
+          </a:prstGeom>
+          <a:ln w="19050">
+            <a:solidFill>
+              <a:srgbClr val="7030A0"/>
+            </a:solidFill>
+            <a:prstDash val="sysDot"/>
+            <a:headEnd type="none" w="med" len="med"/>
+            <a:tailEnd type="none" w="med" len="med"/>
+          </a:ln>
+          <a:effectLst/>
+        </p:spPr>
+        <p:style>
+          <a:lnRef idx="1">
+            <a:schemeClr val="accent2"/>
+          </a:lnRef>
+          <a:fillRef idx="2">
+            <a:schemeClr val="accent2"/>
+          </a:fillRef>
+          <a:effectRef idx="1">
+            <a:schemeClr val="accent2"/>
+          </a:effectRef>
+          <a:fontRef idx="minor">
+            <a:schemeClr val="dk1"/>
+          </a:fontRef>
+        </p:style>
+      </p:cxnSp>
+      <p:sp>
+        <p:nvSpPr>
+          <p:cNvPr id="115" name="Rectangle 8">
+            <a:extLst>
+              <a:ext uri="{FF2B5EF4-FFF2-40B4-BE49-F238E27FC236}">
+                <a16:creationId xmlns:a16="http://schemas.microsoft.com/office/drawing/2014/main" id="{1B784642-2EF2-4145-94E6-23810777FBA9}"/>
+              </a:ext>
+            </a:extLst>
+          </p:cNvPr>
+          <p:cNvSpPr/>
+          <p:nvPr/>
+        </p:nvSpPr>
+        <p:spPr>
+          <a:xfrm>
+            <a:off x="7766386" y="4068311"/>
+            <a:ext cx="708186" cy="285783"/>
+          </a:xfrm>
+          <a:prstGeom prst="rect">
+            <a:avLst/>
+          </a:prstGeom>
+          <a:ln w="19050">
+            <a:solidFill>
+              <a:srgbClr val="7030A0"/>
+            </a:solidFill>
+          </a:ln>
+          <a:effectLst/>
+        </p:spPr>
+        <p:style>
+          <a:lnRef idx="1">
+            <a:schemeClr val="accent4"/>
+          </a:lnRef>
+          <a:fillRef idx="2">
+            <a:schemeClr val="accent4"/>
+          </a:fillRef>
+          <a:effectRef idx="1">
+            <a:schemeClr val="accent4"/>
+          </a:effectRef>
+          <a:fontRef idx="minor">
+            <a:schemeClr val="dk1"/>
+          </a:fontRef>
+        </p:style>
+        <p:txBody>
+          <a:bodyPr rtlCol="0" anchor="ctr"/>
+          <a:lstStyle/>
+          <a:p>
+            <a:pPr algn="ctr"/>
+            <a:r>
+              <a:rPr lang="en-US" sz="1050" dirty="0">
+                <a:solidFill>
+                  <a:srgbClr val="7030A0"/>
+                </a:solidFill>
+              </a:rPr>
+              <a:t>Name</a:t>
+            </a:r>
+            <a:endParaRPr lang="en-SG" sz="1050" dirty="0">
+              <a:solidFill>
+                <a:srgbClr val="7030A0"/>
+              </a:solidFill>
+            </a:endParaRPr>
+          </a:p>
+        </p:txBody>
+      </p:sp>
+      <p:sp>
+        <p:nvSpPr>
+          <p:cNvPr id="116" name="Flowchart: Decision 96">
+            <a:extLst>
+              <a:ext uri="{FF2B5EF4-FFF2-40B4-BE49-F238E27FC236}">
+                <a16:creationId xmlns:a16="http://schemas.microsoft.com/office/drawing/2014/main" id="{ACCC2FC3-348F-4A8E-8726-AD35AC1DC362}"/>
+              </a:ext>
+            </a:extLst>
+          </p:cNvPr>
+          <p:cNvSpPr/>
+          <p:nvPr/>
+        </p:nvSpPr>
+        <p:spPr>
+          <a:xfrm>
+            <a:off x="7095936" y="4452274"/>
+            <a:ext cx="236048" cy="173380"/>
+          </a:xfrm>
+          <a:prstGeom prst="flowChartDecision">
+            <a:avLst/>
+          </a:prstGeom>
+          <a:solidFill>
+            <a:srgbClr val="7030A0"/>
+          </a:solidFill>
+          <a:ln w="19050">
+            <a:solidFill>
+              <a:srgbClr val="7030A0"/>
+            </a:solidFill>
+          </a:ln>
+          <a:effectLst/>
+        </p:spPr>
+        <p:style>
+          <a:lnRef idx="1">
+            <a:schemeClr val="accent6"/>
+          </a:lnRef>
+          <a:fillRef idx="2">
+            <a:schemeClr val="accent6"/>
+          </a:fillRef>
+          <a:effectRef idx="1">
+            <a:schemeClr val="accent6"/>
+          </a:effectRef>
+          <a:fontRef idx="minor">
+            <a:schemeClr val="dk1"/>
+          </a:fontRef>
+        </p:style>
+        <p:txBody>
+          <a:bodyPr rtlCol="0" anchor="ctr"/>
+          <a:lstStyle/>
+          <a:p>
+            <a:pPr algn="ctr"/>
+            <a:endParaRPr lang="en-US" sz="1050"/>
+          </a:p>
+        </p:txBody>
+      </p:sp>
+      <p:cxnSp>
+        <p:nvCxnSpPr>
+          <p:cNvPr id="117" name="Elbow Connector 78">
+            <a:extLst>
+              <a:ext uri="{FF2B5EF4-FFF2-40B4-BE49-F238E27FC236}">
+                <a16:creationId xmlns:a16="http://schemas.microsoft.com/office/drawing/2014/main" id="{DCCD2C24-B883-4C44-894B-C6A4662C46E2}"/>
+              </a:ext>
+            </a:extLst>
+          </p:cNvPr>
+          <p:cNvCxnSpPr>
+            <a:cxnSpLocks/>
+          </p:cNvCxnSpPr>
+          <p:nvPr/>
+        </p:nvCxnSpPr>
+        <p:spPr>
+          <a:xfrm flipV="1">
+            <a:off x="7331984" y="4210894"/>
+            <a:ext cx="434402" cy="327761"/>
+          </a:xfrm>
+          <a:prstGeom prst="bentConnector3">
+            <a:avLst/>
+          </a:prstGeom>
+          <a:ln w="19050">
+            <a:solidFill>
+              <a:srgbClr val="7030A0"/>
+            </a:solidFill>
+            <a:headEnd type="none" w="med" len="med"/>
+            <a:tailEnd type="arrow" w="med" len="med"/>
           </a:ln>
           <a:effectLst/>
         </p:spPr>

--- a/docs/diagrams/ModelComponentClassDiagram.pptx
+++ b/docs/diagrams/ModelComponentClassDiagram.pptx
@@ -208,7 +208,7 @@
           <a:p>
             <a:fld id="{F5CC4B3F-88C1-4FFA-B1B6-F41C21DC6924}" type="datetimeFigureOut">
               <a:rPr lang="en-US" smtClean="0"/>
-              <a:t>3/25/2019</a:t>
+              <a:t>3/26/2019</a:t>
             </a:fld>
             <a:endParaRPr lang="en-US"/>
           </a:p>
@@ -654,7 +654,7 @@
           <a:p>
             <a:fld id="{78C97017-6FC3-485B-9764-EAC9E56C1D49}" type="datetimeFigureOut">
               <a:rPr lang="en-US" smtClean="0"/>
-              <a:t>3/25/2019</a:t>
+              <a:t>3/26/2019</a:t>
             </a:fld>
             <a:endParaRPr lang="en-US"/>
           </a:p>
@@ -822,7 +822,7 @@
           <a:p>
             <a:fld id="{78C97017-6FC3-485B-9764-EAC9E56C1D49}" type="datetimeFigureOut">
               <a:rPr lang="en-US" smtClean="0"/>
-              <a:t>3/25/2019</a:t>
+              <a:t>3/26/2019</a:t>
             </a:fld>
             <a:endParaRPr lang="en-US"/>
           </a:p>
@@ -1000,7 +1000,7 @@
           <a:p>
             <a:fld id="{78C97017-6FC3-485B-9764-EAC9E56C1D49}" type="datetimeFigureOut">
               <a:rPr lang="en-US" smtClean="0"/>
-              <a:t>3/25/2019</a:t>
+              <a:t>3/26/2019</a:t>
             </a:fld>
             <a:endParaRPr lang="en-US"/>
           </a:p>
@@ -1168,7 +1168,7 @@
           <a:p>
             <a:fld id="{78C97017-6FC3-485B-9764-EAC9E56C1D49}" type="datetimeFigureOut">
               <a:rPr lang="en-US" smtClean="0"/>
-              <a:t>3/25/2019</a:t>
+              <a:t>3/26/2019</a:t>
             </a:fld>
             <a:endParaRPr lang="en-US"/>
           </a:p>
@@ -1413,7 +1413,7 @@
           <a:p>
             <a:fld id="{78C97017-6FC3-485B-9764-EAC9E56C1D49}" type="datetimeFigureOut">
               <a:rPr lang="en-US" smtClean="0"/>
-              <a:t>3/25/2019</a:t>
+              <a:t>3/26/2019</a:t>
             </a:fld>
             <a:endParaRPr lang="en-US"/>
           </a:p>
@@ -1698,7 +1698,7 @@
           <a:p>
             <a:fld id="{78C97017-6FC3-485B-9764-EAC9E56C1D49}" type="datetimeFigureOut">
               <a:rPr lang="en-US" smtClean="0"/>
-              <a:t>3/25/2019</a:t>
+              <a:t>3/26/2019</a:t>
             </a:fld>
             <a:endParaRPr lang="en-US"/>
           </a:p>
@@ -2117,7 +2117,7 @@
           <a:p>
             <a:fld id="{78C97017-6FC3-485B-9764-EAC9E56C1D49}" type="datetimeFigureOut">
               <a:rPr lang="en-US" smtClean="0"/>
-              <a:t>3/25/2019</a:t>
+              <a:t>3/26/2019</a:t>
             </a:fld>
             <a:endParaRPr lang="en-US"/>
           </a:p>
@@ -2234,7 +2234,7 @@
           <a:p>
             <a:fld id="{78C97017-6FC3-485B-9764-EAC9E56C1D49}" type="datetimeFigureOut">
               <a:rPr lang="en-US" smtClean="0"/>
-              <a:t>3/25/2019</a:t>
+              <a:t>3/26/2019</a:t>
             </a:fld>
             <a:endParaRPr lang="en-US"/>
           </a:p>
@@ -2329,7 +2329,7 @@
           <a:p>
             <a:fld id="{78C97017-6FC3-485B-9764-EAC9E56C1D49}" type="datetimeFigureOut">
               <a:rPr lang="en-US" smtClean="0"/>
-              <a:t>3/25/2019</a:t>
+              <a:t>3/26/2019</a:t>
             </a:fld>
             <a:endParaRPr lang="en-US"/>
           </a:p>
@@ -2604,7 +2604,7 @@
           <a:p>
             <a:fld id="{78C97017-6FC3-485B-9764-EAC9E56C1D49}" type="datetimeFigureOut">
               <a:rPr lang="en-US" smtClean="0"/>
-              <a:t>3/25/2019</a:t>
+              <a:t>3/26/2019</a:t>
             </a:fld>
             <a:endParaRPr lang="en-US"/>
           </a:p>
@@ -2856,7 +2856,7 @@
           <a:p>
             <a:fld id="{78C97017-6FC3-485B-9764-EAC9E56C1D49}" type="datetimeFigureOut">
               <a:rPr lang="en-US" smtClean="0"/>
-              <a:t>3/25/2019</a:t>
+              <a:t>3/26/2019</a:t>
             </a:fld>
             <a:endParaRPr lang="en-US"/>
           </a:p>
@@ -3067,7 +3067,7 @@
           <a:p>
             <a:fld id="{78C97017-6FC3-485B-9764-EAC9E56C1D49}" type="datetimeFigureOut">
               <a:rPr lang="en-US" smtClean="0"/>
-              <a:t>3/25/2019</a:t>
+              <a:t>3/26/2019</a:t>
             </a:fld>
             <a:endParaRPr lang="en-US"/>
           </a:p>
@@ -6952,6 +6952,116 @@
           <a:xfrm flipV="1">
             <a:off x="7331984" y="4210894"/>
             <a:ext cx="434402" cy="327761"/>
+          </a:xfrm>
+          <a:prstGeom prst="bentConnector3">
+            <a:avLst/>
+          </a:prstGeom>
+          <a:ln w="19050">
+            <a:solidFill>
+              <a:srgbClr val="7030A0"/>
+            </a:solidFill>
+            <a:headEnd type="none" w="med" len="med"/>
+            <a:tailEnd type="arrow" w="med" len="med"/>
+          </a:ln>
+          <a:effectLst/>
+        </p:spPr>
+        <p:style>
+          <a:lnRef idx="1">
+            <a:schemeClr val="accent2"/>
+          </a:lnRef>
+          <a:fillRef idx="2">
+            <a:schemeClr val="accent2"/>
+          </a:fillRef>
+          <a:effectRef idx="1">
+            <a:schemeClr val="accent2"/>
+          </a:effectRef>
+          <a:fontRef idx="minor">
+            <a:schemeClr val="dk1"/>
+          </a:fontRef>
+        </p:style>
+      </p:cxnSp>
+      <p:sp>
+        <p:nvSpPr>
+          <p:cNvPr id="85" name="Rectangle 8">
+            <a:extLst>
+              <a:ext uri="{FF2B5EF4-FFF2-40B4-BE49-F238E27FC236}">
+                <a16:creationId xmlns:a16="http://schemas.microsoft.com/office/drawing/2014/main" id="{7D3E5016-30AE-42C9-BDA1-A4C39CDD1A9D}"/>
+              </a:ext>
+            </a:extLst>
+          </p:cNvPr>
+          <p:cNvSpPr/>
+          <p:nvPr/>
+        </p:nvSpPr>
+        <p:spPr>
+          <a:xfrm>
+            <a:off x="7688605" y="2717181"/>
+            <a:ext cx="812520" cy="285783"/>
+          </a:xfrm>
+          <a:prstGeom prst="rect">
+            <a:avLst/>
+          </a:prstGeom>
+          <a:ln w="19050">
+            <a:solidFill>
+              <a:srgbClr val="7030A0"/>
+            </a:solidFill>
+          </a:ln>
+          <a:effectLst/>
+        </p:spPr>
+        <p:style>
+          <a:lnRef idx="1">
+            <a:schemeClr val="accent4"/>
+          </a:lnRef>
+          <a:fillRef idx="2">
+            <a:schemeClr val="accent4"/>
+          </a:fillRef>
+          <a:effectRef idx="1">
+            <a:schemeClr val="accent4"/>
+          </a:effectRef>
+          <a:fontRef idx="minor">
+            <a:schemeClr val="dk1"/>
+          </a:fontRef>
+        </p:style>
+        <p:txBody>
+          <a:bodyPr rtlCol="0" anchor="ctr"/>
+          <a:lstStyle/>
+          <a:p>
+            <a:pPr algn="ctr"/>
+            <a:r>
+              <a:rPr lang="en-US" sz="1050" dirty="0" err="1">
+                <a:solidFill>
+                  <a:srgbClr val="7030A0"/>
+                </a:solidFill>
+              </a:rPr>
+              <a:t>taskId</a:t>
+            </a:r>
+            <a:endParaRPr lang="en-SG" sz="1050" dirty="0">
+              <a:solidFill>
+                <a:srgbClr val="7030A0"/>
+              </a:solidFill>
+            </a:endParaRPr>
+          </a:p>
+        </p:txBody>
+      </p:sp>
+      <p:cxnSp>
+        <p:nvCxnSpPr>
+          <p:cNvPr id="86" name="Elbow Connector 83">
+            <a:extLst>
+              <a:ext uri="{FF2B5EF4-FFF2-40B4-BE49-F238E27FC236}">
+                <a16:creationId xmlns:a16="http://schemas.microsoft.com/office/drawing/2014/main" id="{2CF25E1E-F189-4F10-AA76-9B705C2955AF}"/>
+              </a:ext>
+            </a:extLst>
+          </p:cNvPr>
+          <p:cNvCxnSpPr>
+            <a:cxnSpLocks/>
+            <a:stCxn id="78" idx="3"/>
+            <a:endCxn id="85" idx="1"/>
+          </p:cNvCxnSpPr>
+          <p:nvPr/>
+        </p:nvCxnSpPr>
+        <p:spPr>
+          <a:xfrm>
+            <a:off x="7277995" y="2153872"/>
+            <a:ext cx="410610" cy="706201"/>
           </a:xfrm>
           <a:prstGeom prst="bentConnector3">
             <a:avLst/>

--- a/docs/diagrams/ModelComponentClassDiagram.pptx
+++ b/docs/diagrams/ModelComponentClassDiagram.pptx
@@ -208,7 +208,7 @@
           <a:p>
             <a:fld id="{F5CC4B3F-88C1-4FFA-B1B6-F41C21DC6924}" type="datetimeFigureOut">
               <a:rPr lang="en-US" smtClean="0"/>
-              <a:t>12/5/2018</a:t>
+              <a:t>3/26/2019</a:t>
             </a:fld>
             <a:endParaRPr lang="en-US"/>
           </a:p>
@@ -654,7 +654,7 @@
           <a:p>
             <a:fld id="{78C97017-6FC3-485B-9764-EAC9E56C1D49}" type="datetimeFigureOut">
               <a:rPr lang="en-US" smtClean="0"/>
-              <a:t>12/5/2018</a:t>
+              <a:t>3/26/2019</a:t>
             </a:fld>
             <a:endParaRPr lang="en-US"/>
           </a:p>
@@ -822,7 +822,7 @@
           <a:p>
             <a:fld id="{78C97017-6FC3-485B-9764-EAC9E56C1D49}" type="datetimeFigureOut">
               <a:rPr lang="en-US" smtClean="0"/>
-              <a:t>12/5/2018</a:t>
+              <a:t>3/26/2019</a:t>
             </a:fld>
             <a:endParaRPr lang="en-US"/>
           </a:p>
@@ -1000,7 +1000,7 @@
           <a:p>
             <a:fld id="{78C97017-6FC3-485B-9764-EAC9E56C1D49}" type="datetimeFigureOut">
               <a:rPr lang="en-US" smtClean="0"/>
-              <a:t>12/5/2018</a:t>
+              <a:t>3/26/2019</a:t>
             </a:fld>
             <a:endParaRPr lang="en-US"/>
           </a:p>
@@ -1168,7 +1168,7 @@
           <a:p>
             <a:fld id="{78C97017-6FC3-485B-9764-EAC9E56C1D49}" type="datetimeFigureOut">
               <a:rPr lang="en-US" smtClean="0"/>
-              <a:t>12/5/2018</a:t>
+              <a:t>3/26/2019</a:t>
             </a:fld>
             <a:endParaRPr lang="en-US"/>
           </a:p>
@@ -1413,7 +1413,7 @@
           <a:p>
             <a:fld id="{78C97017-6FC3-485B-9764-EAC9E56C1D49}" type="datetimeFigureOut">
               <a:rPr lang="en-US" smtClean="0"/>
-              <a:t>12/5/2018</a:t>
+              <a:t>3/26/2019</a:t>
             </a:fld>
             <a:endParaRPr lang="en-US"/>
           </a:p>
@@ -1698,7 +1698,7 @@
           <a:p>
             <a:fld id="{78C97017-6FC3-485B-9764-EAC9E56C1D49}" type="datetimeFigureOut">
               <a:rPr lang="en-US" smtClean="0"/>
-              <a:t>12/5/2018</a:t>
+              <a:t>3/26/2019</a:t>
             </a:fld>
             <a:endParaRPr lang="en-US"/>
           </a:p>
@@ -2117,7 +2117,7 @@
           <a:p>
             <a:fld id="{78C97017-6FC3-485B-9764-EAC9E56C1D49}" type="datetimeFigureOut">
               <a:rPr lang="en-US" smtClean="0"/>
-              <a:t>12/5/2018</a:t>
+              <a:t>3/26/2019</a:t>
             </a:fld>
             <a:endParaRPr lang="en-US"/>
           </a:p>
@@ -2234,7 +2234,7 @@
           <a:p>
             <a:fld id="{78C97017-6FC3-485B-9764-EAC9E56C1D49}" type="datetimeFigureOut">
               <a:rPr lang="en-US" smtClean="0"/>
-              <a:t>12/5/2018</a:t>
+              <a:t>3/26/2019</a:t>
             </a:fld>
             <a:endParaRPr lang="en-US"/>
           </a:p>
@@ -2329,7 +2329,7 @@
           <a:p>
             <a:fld id="{78C97017-6FC3-485B-9764-EAC9E56C1D49}" type="datetimeFigureOut">
               <a:rPr lang="en-US" smtClean="0"/>
-              <a:t>12/5/2018</a:t>
+              <a:t>3/26/2019</a:t>
             </a:fld>
             <a:endParaRPr lang="en-US"/>
           </a:p>
@@ -2604,7 +2604,7 @@
           <a:p>
             <a:fld id="{78C97017-6FC3-485B-9764-EAC9E56C1D49}" type="datetimeFigureOut">
               <a:rPr lang="en-US" smtClean="0"/>
-              <a:t>12/5/2018</a:t>
+              <a:t>3/26/2019</a:t>
             </a:fld>
             <a:endParaRPr lang="en-US"/>
           </a:p>
@@ -2856,7 +2856,7 @@
           <a:p>
             <a:fld id="{78C97017-6FC3-485B-9764-EAC9E56C1D49}" type="datetimeFigureOut">
               <a:rPr lang="en-US" smtClean="0"/>
-              <a:t>12/5/2018</a:t>
+              <a:t>3/26/2019</a:t>
             </a:fld>
             <a:endParaRPr lang="en-US"/>
           </a:p>
@@ -3067,7 +3067,7 @@
           <a:p>
             <a:fld id="{78C97017-6FC3-485B-9764-EAC9E56C1D49}" type="datetimeFigureOut">
               <a:rPr lang="en-US" smtClean="0"/>
-              <a:t>12/5/2018</a:t>
+              <a:t>3/26/2019</a:t>
             </a:fld>
             <a:endParaRPr lang="en-US"/>
           </a:p>
@@ -3450,8 +3450,8 @@
         </p:nvSpPr>
         <p:spPr>
           <a:xfrm>
-            <a:off x="1119865" y="1600200"/>
-            <a:ext cx="7490735" cy="3124200"/>
+            <a:off x="1119865" y="996320"/>
+            <a:ext cx="7490735" cy="4738629"/>
           </a:xfrm>
           <a:prstGeom prst="roundRect">
             <a:avLst>
@@ -3488,7 +3488,7 @@
           <a:lstStyle/>
           <a:p>
             <a:r>
-              <a:rPr lang="en-US" sz="1200" b="1" dirty="0">
+              <a:rPr lang="en-US" sz="1200" b="1">
                 <a:solidFill>
                   <a:srgbClr val="7030A0"/>
                 </a:solidFill>
@@ -3511,7 +3511,7 @@
         </p:nvSpPr>
         <p:spPr>
           <a:xfrm>
-            <a:off x="2825280" y="3463240"/>
+            <a:off x="2825280" y="2582221"/>
             <a:ext cx="878211" cy="346760"/>
           </a:xfrm>
           <a:prstGeom prst="rect">
@@ -3567,8 +3567,8 @@
         </p:nvSpPr>
         <p:spPr>
           <a:xfrm rot="16200000">
-            <a:off x="1661548" y="3097750"/>
-            <a:ext cx="1093635" cy="346760"/>
+            <a:off x="497145" y="3144586"/>
+            <a:ext cx="3422441" cy="346760"/>
           </a:xfrm>
           <a:prstGeom prst="rect">
             <a:avLst/>
@@ -3618,33 +3618,27 @@
           </a:p>
         </p:txBody>
       </p:sp>
-      <p:cxnSp>
-        <p:nvCxnSpPr>
-          <p:cNvPr id="107" name="Elbow Connector 106"/>
-          <p:cNvCxnSpPr>
-            <a:cxnSpLocks/>
-            <a:stCxn id="9" idx="1"/>
-            <a:endCxn id="62" idx="2"/>
-          </p:cNvCxnSpPr>
+      <p:sp>
+        <p:nvSpPr>
+          <p:cNvPr id="119" name="Rectangle 62"/>
+          <p:cNvSpPr/>
           <p:nvPr/>
-        </p:nvCxnSpPr>
-        <p:spPr>
-          <a:xfrm rot="5400000" flipH="1" flipV="1">
-            <a:off x="4131507" y="1281685"/>
-            <a:ext cx="613122" cy="4459404"/>
-          </a:xfrm>
-          <a:prstGeom prst="bentConnector3">
-            <a:avLst>
-              <a:gd name="adj1" fmla="val -26668"/>
-            </a:avLst>
-          </a:prstGeom>
+        </p:nvSpPr>
+        <p:spPr>
+          <a:xfrm rot="16200000">
+            <a:off x="956202" y="1980183"/>
+            <a:ext cx="1093635" cy="346760"/>
+          </a:xfrm>
+          <a:prstGeom prst="rect">
+            <a:avLst/>
+          </a:prstGeom>
+          <a:solidFill>
+            <a:srgbClr val="7030A0"/>
+          </a:solidFill>
           <a:ln w="19050">
             <a:solidFill>
               <a:srgbClr val="7030A0"/>
             </a:solidFill>
-            <a:prstDash val="solid"/>
-            <a:headEnd type="none" w="med" len="med"/>
-            <a:tailEnd type="arrow" w="med" len="med"/>
           </a:ln>
           <a:effectLst/>
         </p:spPr>
@@ -3662,45 +3656,6 @@
             <a:schemeClr val="dk1"/>
           </a:fontRef>
         </p:style>
-      </p:cxnSp>
-      <p:sp>
-        <p:nvSpPr>
-          <p:cNvPr id="119" name="Rectangle 62"/>
-          <p:cNvSpPr/>
-          <p:nvPr/>
-        </p:nvSpPr>
-        <p:spPr>
-          <a:xfrm rot="16200000">
-            <a:off x="956202" y="2861202"/>
-            <a:ext cx="1093635" cy="346760"/>
-          </a:xfrm>
-          <a:prstGeom prst="rect">
-            <a:avLst/>
-          </a:prstGeom>
-          <a:solidFill>
-            <a:srgbClr val="7030A0"/>
-          </a:solidFill>
-          <a:ln w="19050">
-            <a:solidFill>
-              <a:srgbClr val="7030A0"/>
-            </a:solidFill>
-          </a:ln>
-          <a:effectLst/>
-        </p:spPr>
-        <p:style>
-          <a:lnRef idx="1">
-            <a:schemeClr val="accent2"/>
-          </a:lnRef>
-          <a:fillRef idx="2">
-            <a:schemeClr val="accent2"/>
-          </a:fillRef>
-          <a:effectRef idx="1">
-            <a:schemeClr val="accent2"/>
-          </a:effectRef>
-          <a:fontRef idx="minor">
-            <a:schemeClr val="dk1"/>
-          </a:fontRef>
-        </p:style>
         <p:txBody>
           <a:bodyPr rtlCol="0" anchor="ctr"/>
           <a:lstStyle/>
@@ -3741,7 +3696,7 @@
         </p:nvSpPr>
         <p:spPr>
           <a:xfrm rot="16200000">
-            <a:off x="1626910" y="2952291"/>
+            <a:off x="1626910" y="2071272"/>
             <a:ext cx="270504" cy="175523"/>
           </a:xfrm>
           <a:prstGeom prst="triangle">
@@ -3792,7 +3747,7 @@
         </p:nvCxnSpPr>
         <p:spPr>
           <a:xfrm>
-            <a:off x="2609828" y="3636620"/>
+            <a:off x="2609828" y="2755601"/>
             <a:ext cx="215452" cy="0"/>
           </a:xfrm>
           <a:prstGeom prst="straightConnector1">
@@ -3830,7 +3785,7 @@
         </p:nvCxnSpPr>
         <p:spPr>
           <a:xfrm>
-            <a:off x="910091" y="3040053"/>
+            <a:off x="910091" y="2159034"/>
             <a:ext cx="419548" cy="2860"/>
           </a:xfrm>
           <a:prstGeom prst="bentConnector3">
@@ -3875,7 +3830,7 @@
         </p:nvCxnSpPr>
         <p:spPr>
           <a:xfrm flipV="1">
-            <a:off x="1849924" y="3040052"/>
+            <a:off x="1849924" y="2159033"/>
             <a:ext cx="216105" cy="1"/>
           </a:xfrm>
           <a:prstGeom prst="line">
@@ -3914,7 +3869,7 @@
         </p:nvSpPr>
         <p:spPr>
           <a:xfrm>
-            <a:off x="2373780" y="3549930"/>
+            <a:off x="2373780" y="2668911"/>
             <a:ext cx="236048" cy="173380"/>
           </a:xfrm>
           <a:prstGeom prst="flowChartDecision">
@@ -3959,7 +3914,7 @@
         </p:nvSpPr>
         <p:spPr>
           <a:xfrm>
-            <a:off x="2825280" y="2846162"/>
+            <a:off x="2825280" y="1965143"/>
             <a:ext cx="1490560" cy="334856"/>
           </a:xfrm>
           <a:prstGeom prst="rect">
@@ -3997,7 +3952,7 @@
                   <a:srgbClr val="7030A0"/>
                 </a:solidFill>
               </a:rPr>
-              <a:t>VersionedAddressBook</a:t>
+              <a:t>VersionedProject</a:t>
             </a:r>
             <a:endParaRPr lang="en-SG" sz="1050" dirty="0">
               <a:solidFill>
@@ -4018,7 +3973,7 @@
         </p:nvCxnSpPr>
         <p:spPr>
           <a:xfrm>
-            <a:off x="2624360" y="3003033"/>
+            <a:off x="2624360" y="2122014"/>
             <a:ext cx="200920" cy="10557"/>
           </a:xfrm>
           <a:prstGeom prst="straightConnector1">
@@ -4056,7 +4011,7 @@
         </p:nvSpPr>
         <p:spPr>
           <a:xfrm>
-            <a:off x="2388312" y="2916343"/>
+            <a:off x="2388312" y="2035324"/>
             <a:ext cx="236048" cy="173380"/>
           </a:xfrm>
           <a:prstGeom prst="flowChartDecision">
@@ -4101,7 +4056,7 @@
         </p:nvSpPr>
         <p:spPr>
           <a:xfrm>
-            <a:off x="4692650" y="2846162"/>
+            <a:off x="4692650" y="1965143"/>
             <a:ext cx="1156969" cy="346760"/>
           </a:xfrm>
           <a:prstGeom prst="rect">
@@ -4139,7 +4094,7 @@
                   <a:srgbClr val="7030A0"/>
                 </a:solidFill>
               </a:rPr>
-              <a:t>UniquePersonList</a:t>
+              <a:t>UniqueTaskList</a:t>
             </a:r>
             <a:endParaRPr lang="en-SG" sz="1050" dirty="0">
               <a:solidFill>
@@ -4157,7 +4112,7 @@
         </p:nvSpPr>
         <p:spPr>
           <a:xfrm>
-            <a:off x="4324972" y="2920532"/>
+            <a:off x="4324972" y="2039513"/>
             <a:ext cx="236048" cy="173380"/>
           </a:xfrm>
           <a:prstGeom prst="flowChartDecision">
@@ -4204,7 +4159,7 @@
         </p:nvSpPr>
         <p:spPr>
           <a:xfrm>
-            <a:off x="6313677" y="2858066"/>
+            <a:off x="6313677" y="1977047"/>
             <a:ext cx="708186" cy="346760"/>
           </a:xfrm>
           <a:prstGeom prst="rect">
@@ -4242,7 +4197,7 @@
                   <a:srgbClr val="7030A0"/>
                 </a:solidFill>
               </a:rPr>
-              <a:t>Person</a:t>
+              <a:t>Task</a:t>
             </a:r>
             <a:endParaRPr lang="en-SG" sz="1050" dirty="0">
               <a:solidFill>
@@ -4260,7 +4215,7 @@
         </p:nvSpPr>
         <p:spPr>
           <a:xfrm>
-            <a:off x="5858751" y="2941676"/>
+            <a:off x="5858751" y="2060657"/>
             <a:ext cx="236048" cy="173380"/>
           </a:xfrm>
           <a:prstGeom prst="flowChartDecision">
@@ -4308,7 +4263,7 @@
         </p:nvCxnSpPr>
         <p:spPr>
           <a:xfrm>
-            <a:off x="6094799" y="3028366"/>
+            <a:off x="6094799" y="2147347"/>
             <a:ext cx="218878" cy="3080"/>
           </a:xfrm>
           <a:prstGeom prst="bentConnector3">
@@ -4346,7 +4301,7 @@
         </p:nvSpPr>
         <p:spPr>
           <a:xfrm>
-            <a:off x="7712397" y="2564238"/>
+            <a:off x="7712397" y="1683219"/>
             <a:ext cx="708186" cy="285783"/>
           </a:xfrm>
           <a:prstGeom prst="rect">
@@ -4402,7 +4357,7 @@
         </p:nvSpPr>
         <p:spPr>
           <a:xfrm>
-            <a:off x="7041947" y="2948201"/>
+            <a:off x="7041947" y="2067182"/>
             <a:ext cx="236048" cy="173380"/>
           </a:xfrm>
           <a:prstGeom prst="flowChartDecision">
@@ -4451,7 +4406,7 @@
         </p:nvCxnSpPr>
         <p:spPr>
           <a:xfrm flipV="1">
-            <a:off x="7277995" y="2706821"/>
+            <a:off x="7277995" y="1825802"/>
             <a:ext cx="434402" cy="327761"/>
           </a:xfrm>
           <a:prstGeom prst="bentConnector3">
@@ -4489,7 +4444,7 @@
         </p:nvSpPr>
         <p:spPr>
           <a:xfrm>
-            <a:off x="7712397" y="2887216"/>
+            <a:off x="7712397" y="2006197"/>
             <a:ext cx="708186" cy="285783"/>
           </a:xfrm>
           <a:prstGeom prst="rect">
@@ -4527,7 +4482,7 @@
                   <a:srgbClr val="7030A0"/>
                 </a:solidFill>
               </a:rPr>
-              <a:t>Phone</a:t>
+              <a:t>Deadline</a:t>
             </a:r>
             <a:endParaRPr lang="en-SG" sz="1050" dirty="0">
               <a:solidFill>
@@ -4548,7 +4503,7 @@
         </p:nvCxnSpPr>
         <p:spPr>
           <a:xfrm flipV="1">
-            <a:off x="7277995" y="3030108"/>
+            <a:off x="7277995" y="2149089"/>
             <a:ext cx="434402" cy="4783"/>
           </a:xfrm>
           <a:prstGeom prst="bentConnector3">
@@ -4586,8 +4541,8 @@
         </p:nvSpPr>
         <p:spPr>
           <a:xfrm>
-            <a:off x="7712397" y="3210194"/>
-            <a:ext cx="708186" cy="285783"/>
+            <a:off x="7712397" y="2329175"/>
+            <a:ext cx="812520" cy="285783"/>
           </a:xfrm>
           <a:prstGeom prst="rect">
             <a:avLst/>
@@ -4624,7 +4579,7 @@
                   <a:srgbClr val="7030A0"/>
                 </a:solidFill>
               </a:rPr>
-              <a:t>Email</a:t>
+              <a:t>Description</a:t>
             </a:r>
             <a:endParaRPr lang="en-SG" sz="1050" dirty="0">
               <a:solidFill>
@@ -4638,6 +4593,7 @@
         <p:nvCxnSpPr>
           <p:cNvPr id="84" name="Elbow Connector 83"/>
           <p:cNvCxnSpPr>
+            <a:cxnSpLocks/>
             <a:stCxn id="78" idx="3"/>
             <a:endCxn id="83" idx="1"/>
           </p:cNvCxnSpPr>
@@ -4645,105 +4601,8 @@
         </p:nvCxnSpPr>
         <p:spPr>
           <a:xfrm>
-            <a:off x="7277995" y="3034891"/>
+            <a:off x="7277995" y="2153872"/>
             <a:ext cx="434402" cy="318195"/>
-          </a:xfrm>
-          <a:prstGeom prst="bentConnector3">
-            <a:avLst/>
-          </a:prstGeom>
-          <a:ln w="19050">
-            <a:solidFill>
-              <a:srgbClr val="7030A0"/>
-            </a:solidFill>
-            <a:headEnd type="none" w="med" len="med"/>
-            <a:tailEnd type="arrow" w="med" len="med"/>
-          </a:ln>
-          <a:effectLst/>
-        </p:spPr>
-        <p:style>
-          <a:lnRef idx="1">
-            <a:schemeClr val="accent2"/>
-          </a:lnRef>
-          <a:fillRef idx="2">
-            <a:schemeClr val="accent2"/>
-          </a:fillRef>
-          <a:effectRef idx="1">
-            <a:schemeClr val="accent2"/>
-          </a:effectRef>
-          <a:fontRef idx="minor">
-            <a:schemeClr val="dk1"/>
-          </a:fontRef>
-        </p:style>
-      </p:cxnSp>
-      <p:sp>
-        <p:nvSpPr>
-          <p:cNvPr id="85" name="Rectangle 8"/>
-          <p:cNvSpPr/>
-          <p:nvPr/>
-        </p:nvSpPr>
-        <p:spPr>
-          <a:xfrm>
-            <a:off x="7712397" y="3533171"/>
-            <a:ext cx="708186" cy="285783"/>
-          </a:xfrm>
-          <a:prstGeom prst="rect">
-            <a:avLst/>
-          </a:prstGeom>
-          <a:ln w="19050">
-            <a:solidFill>
-              <a:srgbClr val="7030A0"/>
-            </a:solidFill>
-          </a:ln>
-          <a:effectLst/>
-        </p:spPr>
-        <p:style>
-          <a:lnRef idx="1">
-            <a:schemeClr val="accent4"/>
-          </a:lnRef>
-          <a:fillRef idx="2">
-            <a:schemeClr val="accent4"/>
-          </a:fillRef>
-          <a:effectRef idx="1">
-            <a:schemeClr val="accent4"/>
-          </a:effectRef>
-          <a:fontRef idx="minor">
-            <a:schemeClr val="dk1"/>
-          </a:fontRef>
-        </p:style>
-        <p:txBody>
-          <a:bodyPr rtlCol="0" anchor="ctr"/>
-          <a:lstStyle/>
-          <a:p>
-            <a:pPr algn="ctr"/>
-            <a:r>
-              <a:rPr lang="en-US" sz="1050" dirty="0">
-                <a:solidFill>
-                  <a:srgbClr val="7030A0"/>
-                </a:solidFill>
-              </a:rPr>
-              <a:t>Address</a:t>
-            </a:r>
-            <a:endParaRPr lang="en-SG" sz="1050" dirty="0">
-              <a:solidFill>
-                <a:srgbClr val="7030A0"/>
-              </a:solidFill>
-            </a:endParaRPr>
-          </a:p>
-        </p:txBody>
-      </p:sp>
-      <p:cxnSp>
-        <p:nvCxnSpPr>
-          <p:cNvPr id="86" name="Elbow Connector 85"/>
-          <p:cNvCxnSpPr>
-            <a:stCxn id="78" idx="3"/>
-            <a:endCxn id="85" idx="1"/>
-          </p:cNvCxnSpPr>
-          <p:nvPr/>
-        </p:nvCxnSpPr>
-        <p:spPr>
-          <a:xfrm>
-            <a:off x="7277995" y="3034891"/>
-            <a:ext cx="434402" cy="641172"/>
           </a:xfrm>
           <a:prstGeom prst="bentConnector3">
             <a:avLst/>
@@ -4783,7 +4642,7 @@
         </p:nvCxnSpPr>
         <p:spPr>
           <a:xfrm rot="16200000" flipH="1">
-            <a:off x="3566454" y="2680653"/>
+            <a:off x="3566454" y="1799634"/>
             <a:ext cx="274076" cy="1"/>
           </a:xfrm>
           <a:prstGeom prst="bentConnector3">
@@ -4824,7 +4683,7 @@
         </p:nvSpPr>
         <p:spPr>
           <a:xfrm rot="10800000" flipV="1">
-            <a:off x="3562299" y="2386554"/>
+            <a:off x="3562299" y="1505535"/>
             <a:ext cx="282387" cy="157062"/>
           </a:xfrm>
           <a:prstGeom prst="triangle">
@@ -4878,7 +4737,7 @@
         </p:nvSpPr>
         <p:spPr>
           <a:xfrm>
-            <a:off x="1260922" y="1998350"/>
+            <a:off x="1260922" y="1117331"/>
             <a:ext cx="1443661" cy="364396"/>
           </a:xfrm>
           <a:prstGeom prst="rect">
@@ -4931,7 +4790,7 @@
                   <a:srgbClr val="7030A0"/>
                 </a:solidFill>
               </a:rPr>
-              <a:t>ReadOnlyAddressBook</a:t>
+              <a:t>ReadOnlyProject</a:t>
             </a:r>
             <a:endParaRPr lang="en-SG" sz="1050" dirty="0">
               <a:solidFill>
@@ -4949,7 +4808,7 @@
         </p:nvSpPr>
         <p:spPr>
           <a:xfrm rot="16200000">
-            <a:off x="6362886" y="3586305"/>
+            <a:off x="6362886" y="2705286"/>
             <a:ext cx="881018" cy="261610"/>
           </a:xfrm>
           <a:prstGeom prst="rect">
@@ -4988,7 +4847,7 @@
         </p:nvSpPr>
         <p:spPr>
           <a:xfrm>
-            <a:off x="2057401" y="4239491"/>
+            <a:off x="2103381" y="5249194"/>
             <a:ext cx="1066800" cy="346760"/>
           </a:xfrm>
           <a:prstGeom prst="rect">
@@ -5062,8 +4921,8 @@
         </p:nvCxnSpPr>
         <p:spPr>
           <a:xfrm rot="16200000" flipH="1">
-            <a:off x="1364475" y="3719944"/>
-            <a:ext cx="831471" cy="554381"/>
+            <a:off x="442104" y="3761296"/>
+            <a:ext cx="2722193" cy="600361"/>
           </a:xfrm>
           <a:prstGeom prst="bentConnector2">
             <a:avLst/>
@@ -5101,7 +4960,7 @@
         </p:nvSpPr>
         <p:spPr>
           <a:xfrm>
-            <a:off x="4429979" y="3111479"/>
+            <a:off x="4429979" y="2230460"/>
             <a:ext cx="189257" cy="178683"/>
           </a:xfrm>
           <a:prstGeom prst="rect">
@@ -5140,7 +4999,7 @@
         </p:nvSpPr>
         <p:spPr>
           <a:xfrm>
-            <a:off x="6135256" y="3097917"/>
+            <a:off x="6135256" y="2216898"/>
             <a:ext cx="189257" cy="178683"/>
           </a:xfrm>
           <a:prstGeom prst="rect">
@@ -5179,7 +5038,7 @@
         </p:nvSpPr>
         <p:spPr>
           <a:xfrm>
-            <a:off x="2573394" y="2756715"/>
+            <a:off x="2573394" y="1875696"/>
             <a:ext cx="170110" cy="137542"/>
           </a:xfrm>
           <a:prstGeom prst="rect">
@@ -5218,7 +5077,7 @@
         </p:nvSpPr>
         <p:spPr>
           <a:xfrm>
-            <a:off x="2630191" y="3667737"/>
+            <a:off x="2630191" y="2786718"/>
             <a:ext cx="189257" cy="178683"/>
           </a:xfrm>
           <a:prstGeom prst="rect">
@@ -5257,7 +5116,7 @@
         </p:nvSpPr>
         <p:spPr>
           <a:xfrm>
-            <a:off x="6449896" y="3204826"/>
+            <a:off x="6449896" y="2323807"/>
             <a:ext cx="189257" cy="178683"/>
           </a:xfrm>
           <a:prstGeom prst="rect">
@@ -5302,7 +5161,7 @@
         </p:nvSpPr>
         <p:spPr>
           <a:xfrm>
-            <a:off x="7712397" y="2228817"/>
+            <a:off x="7712397" y="1347798"/>
             <a:ext cx="708186" cy="285783"/>
           </a:xfrm>
           <a:prstGeom prst="rect">
@@ -5368,7 +5227,7 @@
         </p:nvCxnSpPr>
         <p:spPr>
           <a:xfrm flipV="1">
-            <a:off x="7277995" y="2371709"/>
+            <a:off x="7277995" y="1490690"/>
             <a:ext cx="434402" cy="663182"/>
           </a:xfrm>
           <a:prstGeom prst="bentConnector3">
@@ -5414,7 +5273,7 @@
         </p:nvSpPr>
         <p:spPr>
           <a:xfrm>
-            <a:off x="7466243" y="2255711"/>
+            <a:off x="7466243" y="1374692"/>
             <a:ext cx="189257" cy="178683"/>
           </a:xfrm>
           <a:prstGeom prst="rect">
@@ -5453,7 +5312,7 @@
         </p:nvSpPr>
         <p:spPr>
           <a:xfrm>
-            <a:off x="3170181" y="1998350"/>
+            <a:off x="3170181" y="1117331"/>
             <a:ext cx="1060683" cy="364396"/>
           </a:xfrm>
           <a:prstGeom prst="rect">
@@ -5486,12 +5345,12 @@
           <a:p>
             <a:pPr algn="ctr"/>
             <a:r>
-              <a:rPr lang="en-US" sz="1050" dirty="0" err="1">
+              <a:rPr lang="en-US" sz="1050" dirty="0">
                 <a:solidFill>
                   <a:srgbClr val="7030A0"/>
                 </a:solidFill>
               </a:rPr>
-              <a:t>AddressBook</a:t>
+              <a:t>Project</a:t>
             </a:r>
             <a:endParaRPr lang="en-SG" sz="1050" dirty="0">
               <a:solidFill>
@@ -5512,7 +5371,7 @@
         </p:nvCxnSpPr>
         <p:spPr>
           <a:xfrm>
-            <a:off x="4324972" y="3007222"/>
+            <a:off x="4324972" y="2126203"/>
             <a:ext cx="367678" cy="12320"/>
           </a:xfrm>
           <a:prstGeom prst="straightConnector1">
@@ -5550,7 +5409,7 @@
         </p:nvSpPr>
         <p:spPr>
           <a:xfrm rot="16200000">
-            <a:off x="2669073" y="2069158"/>
+            <a:off x="2669073" y="1188139"/>
             <a:ext cx="271014" cy="187417"/>
           </a:xfrm>
           <a:prstGeom prst="triangle">
@@ -5605,7 +5464,7 @@
         </p:nvCxnSpPr>
         <p:spPr>
           <a:xfrm>
-            <a:off x="2898289" y="2177727"/>
+            <a:off x="2898289" y="1296708"/>
             <a:ext cx="271892" cy="2821"/>
           </a:xfrm>
           <a:prstGeom prst="bentConnector3">
@@ -5652,7 +5511,7 @@
         </p:nvSpPr>
         <p:spPr>
           <a:xfrm>
-            <a:off x="4238892" y="3460864"/>
+            <a:off x="4238892" y="2579845"/>
             <a:ext cx="1293486" cy="346760"/>
           </a:xfrm>
           <a:prstGeom prst="rect">
@@ -5725,7 +5584,7 @@
         </p:nvSpPr>
         <p:spPr>
           <a:xfrm rot="5400000" flipH="1">
-            <a:off x="3992636" y="3514414"/>
+            <a:off x="3992636" y="2633395"/>
             <a:ext cx="271014" cy="221497"/>
           </a:xfrm>
           <a:prstGeom prst="triangle">
@@ -5787,7 +5646,7 @@
         </p:nvCxnSpPr>
         <p:spPr>
           <a:xfrm rot="10800000">
-            <a:off x="3703491" y="3636621"/>
+            <a:off x="3703491" y="2755602"/>
             <a:ext cx="313904" cy="3403"/>
           </a:xfrm>
           <a:prstGeom prst="bentConnector3">
@@ -5802,6 +5661,1417 @@
             <a:prstDash val="sysDot"/>
             <a:headEnd type="none" w="med" len="med"/>
             <a:tailEnd type="none" w="med" len="med"/>
+          </a:ln>
+          <a:effectLst/>
+        </p:spPr>
+        <p:style>
+          <a:lnRef idx="1">
+            <a:schemeClr val="accent2"/>
+          </a:lnRef>
+          <a:fillRef idx="2">
+            <a:schemeClr val="accent2"/>
+          </a:fillRef>
+          <a:effectRef idx="1">
+            <a:schemeClr val="accent2"/>
+          </a:effectRef>
+          <a:fontRef idx="minor">
+            <a:schemeClr val="dk1"/>
+          </a:fontRef>
+        </p:style>
+      </p:cxnSp>
+      <p:sp>
+        <p:nvSpPr>
+          <p:cNvPr id="71" name="Rectangle 8">
+            <a:extLst>
+              <a:ext uri="{FF2B5EF4-FFF2-40B4-BE49-F238E27FC236}">
+                <a16:creationId xmlns:a16="http://schemas.microsoft.com/office/drawing/2014/main" id="{C8C46548-8827-4A1F-9975-16F7AFA0B14C}"/>
+              </a:ext>
+            </a:extLst>
+          </p:cNvPr>
+          <p:cNvSpPr/>
+          <p:nvPr/>
+        </p:nvSpPr>
+        <p:spPr>
+          <a:xfrm>
+            <a:off x="2792617" y="4343118"/>
+            <a:ext cx="1490560" cy="334856"/>
+          </a:xfrm>
+          <a:prstGeom prst="rect">
+            <a:avLst/>
+          </a:prstGeom>
+          <a:ln w="19050">
+            <a:solidFill>
+              <a:srgbClr val="7030A0"/>
+            </a:solidFill>
+          </a:ln>
+          <a:effectLst/>
+        </p:spPr>
+        <p:style>
+          <a:lnRef idx="1">
+            <a:schemeClr val="accent4"/>
+          </a:lnRef>
+          <a:fillRef idx="2">
+            <a:schemeClr val="accent4"/>
+          </a:fillRef>
+          <a:effectRef idx="1">
+            <a:schemeClr val="accent4"/>
+          </a:effectRef>
+          <a:fontRef idx="minor">
+            <a:schemeClr val="dk1"/>
+          </a:fontRef>
+        </p:style>
+        <p:txBody>
+          <a:bodyPr rtlCol="0" anchor="ctr"/>
+          <a:lstStyle/>
+          <a:p>
+            <a:pPr algn="ctr"/>
+            <a:r>
+              <a:rPr lang="en-US" sz="1050" dirty="0" err="1">
+                <a:solidFill>
+                  <a:srgbClr val="7030A0"/>
+                </a:solidFill>
+              </a:rPr>
+              <a:t>VersionedProjectList</a:t>
+            </a:r>
+            <a:endParaRPr lang="en-SG" sz="1050" dirty="0">
+              <a:solidFill>
+                <a:srgbClr val="7030A0"/>
+              </a:solidFill>
+            </a:endParaRPr>
+          </a:p>
+        </p:txBody>
+      </p:sp>
+      <p:cxnSp>
+        <p:nvCxnSpPr>
+          <p:cNvPr id="72" name="Straight Arrow Connector 71">
+            <a:extLst>
+              <a:ext uri="{FF2B5EF4-FFF2-40B4-BE49-F238E27FC236}">
+                <a16:creationId xmlns:a16="http://schemas.microsoft.com/office/drawing/2014/main" id="{05D3A968-C682-49E7-8AF1-37C66357BAF9}"/>
+              </a:ext>
+            </a:extLst>
+          </p:cNvPr>
+          <p:cNvCxnSpPr>
+            <a:cxnSpLocks/>
+          </p:cNvCxnSpPr>
+          <p:nvPr/>
+        </p:nvCxnSpPr>
+        <p:spPr>
+          <a:xfrm>
+            <a:off x="2600625" y="4498245"/>
+            <a:ext cx="200920" cy="10557"/>
+          </a:xfrm>
+          <a:prstGeom prst="straightConnector1">
+            <a:avLst/>
+          </a:prstGeom>
+          <a:ln w="19050">
+            <a:solidFill>
+              <a:srgbClr val="7030A0"/>
+            </a:solidFill>
+            <a:headEnd type="none" w="med" len="med"/>
+            <a:tailEnd type="arrow" w="med" len="med"/>
+          </a:ln>
+          <a:effectLst/>
+        </p:spPr>
+        <p:style>
+          <a:lnRef idx="1">
+            <a:schemeClr val="accent2"/>
+          </a:lnRef>
+          <a:fillRef idx="2">
+            <a:schemeClr val="accent2"/>
+          </a:fillRef>
+          <a:effectRef idx="1">
+            <a:schemeClr val="accent2"/>
+          </a:effectRef>
+          <a:fontRef idx="minor">
+            <a:schemeClr val="dk1"/>
+          </a:fontRef>
+        </p:style>
+      </p:cxnSp>
+      <p:sp>
+        <p:nvSpPr>
+          <p:cNvPr id="73" name="Rectangle 8">
+            <a:extLst>
+              <a:ext uri="{FF2B5EF4-FFF2-40B4-BE49-F238E27FC236}">
+                <a16:creationId xmlns:a16="http://schemas.microsoft.com/office/drawing/2014/main" id="{A3EA9D17-0409-4BE0-BE9C-AD7C0AACE938}"/>
+              </a:ext>
+            </a:extLst>
+          </p:cNvPr>
+          <p:cNvSpPr/>
+          <p:nvPr/>
+        </p:nvSpPr>
+        <p:spPr>
+          <a:xfrm>
+            <a:off x="4771730" y="4362935"/>
+            <a:ext cx="1156969" cy="346760"/>
+          </a:xfrm>
+          <a:prstGeom prst="rect">
+            <a:avLst/>
+          </a:prstGeom>
+          <a:ln w="19050">
+            <a:solidFill>
+              <a:srgbClr val="7030A0"/>
+            </a:solidFill>
+          </a:ln>
+          <a:effectLst/>
+        </p:spPr>
+        <p:style>
+          <a:lnRef idx="1">
+            <a:schemeClr val="accent4"/>
+          </a:lnRef>
+          <a:fillRef idx="2">
+            <a:schemeClr val="accent4"/>
+          </a:fillRef>
+          <a:effectRef idx="1">
+            <a:schemeClr val="accent4"/>
+          </a:effectRef>
+          <a:fontRef idx="minor">
+            <a:schemeClr val="dk1"/>
+          </a:fontRef>
+        </p:style>
+        <p:txBody>
+          <a:bodyPr rtlCol="0" anchor="ctr"/>
+          <a:lstStyle/>
+          <a:p>
+            <a:pPr algn="ctr"/>
+            <a:r>
+              <a:rPr lang="en-US" sz="1050" dirty="0" err="1">
+                <a:solidFill>
+                  <a:srgbClr val="7030A0"/>
+                </a:solidFill>
+              </a:rPr>
+              <a:t>UniqueProjectList</a:t>
+            </a:r>
+            <a:endParaRPr lang="en-SG" sz="1050" dirty="0">
+              <a:solidFill>
+                <a:srgbClr val="7030A0"/>
+              </a:solidFill>
+            </a:endParaRPr>
+          </a:p>
+        </p:txBody>
+      </p:sp>
+      <p:sp>
+        <p:nvSpPr>
+          <p:cNvPr id="74" name="Rectangle 8">
+            <a:extLst>
+              <a:ext uri="{FF2B5EF4-FFF2-40B4-BE49-F238E27FC236}">
+                <a16:creationId xmlns:a16="http://schemas.microsoft.com/office/drawing/2014/main" id="{EFB3957C-164F-455D-80FA-FEF1647224AE}"/>
+              </a:ext>
+            </a:extLst>
+          </p:cNvPr>
+          <p:cNvSpPr/>
+          <p:nvPr/>
+        </p:nvSpPr>
+        <p:spPr>
+          <a:xfrm>
+            <a:off x="6392757" y="4374839"/>
+            <a:ext cx="708186" cy="346760"/>
+          </a:xfrm>
+          <a:prstGeom prst="rect">
+            <a:avLst/>
+          </a:prstGeom>
+          <a:ln w="19050">
+            <a:solidFill>
+              <a:srgbClr val="7030A0"/>
+            </a:solidFill>
+          </a:ln>
+          <a:effectLst/>
+        </p:spPr>
+        <p:style>
+          <a:lnRef idx="1">
+            <a:schemeClr val="accent4"/>
+          </a:lnRef>
+          <a:fillRef idx="2">
+            <a:schemeClr val="accent4"/>
+          </a:fillRef>
+          <a:effectRef idx="1">
+            <a:schemeClr val="accent4"/>
+          </a:effectRef>
+          <a:fontRef idx="minor">
+            <a:schemeClr val="dk1"/>
+          </a:fontRef>
+        </p:style>
+        <p:txBody>
+          <a:bodyPr rtlCol="0" anchor="ctr"/>
+          <a:lstStyle/>
+          <a:p>
+            <a:pPr algn="ctr"/>
+            <a:r>
+              <a:rPr lang="en-US" sz="1050" dirty="0">
+                <a:solidFill>
+                  <a:srgbClr val="7030A0"/>
+                </a:solidFill>
+              </a:rPr>
+              <a:t>Project</a:t>
+            </a:r>
+            <a:endParaRPr lang="en-SG" sz="1050" dirty="0">
+              <a:solidFill>
+                <a:srgbClr val="7030A0"/>
+              </a:solidFill>
+            </a:endParaRPr>
+          </a:p>
+        </p:txBody>
+      </p:sp>
+      <p:sp>
+        <p:nvSpPr>
+          <p:cNvPr id="77" name="Flowchart: Decision 96">
+            <a:extLst>
+              <a:ext uri="{FF2B5EF4-FFF2-40B4-BE49-F238E27FC236}">
+                <a16:creationId xmlns:a16="http://schemas.microsoft.com/office/drawing/2014/main" id="{781CD3AD-E1B1-4730-9C9C-D17BF69A0BA2}"/>
+              </a:ext>
+            </a:extLst>
+          </p:cNvPr>
+          <p:cNvSpPr/>
+          <p:nvPr/>
+        </p:nvSpPr>
+        <p:spPr>
+          <a:xfrm>
+            <a:off x="5937831" y="4458449"/>
+            <a:ext cx="236048" cy="173380"/>
+          </a:xfrm>
+          <a:prstGeom prst="flowChartDecision">
+            <a:avLst/>
+          </a:prstGeom>
+          <a:noFill/>
+          <a:ln w="19050">
+            <a:solidFill>
+              <a:srgbClr val="7030A0"/>
+            </a:solidFill>
+          </a:ln>
+          <a:effectLst/>
+        </p:spPr>
+        <p:style>
+          <a:lnRef idx="1">
+            <a:schemeClr val="accent6"/>
+          </a:lnRef>
+          <a:fillRef idx="2">
+            <a:schemeClr val="accent6"/>
+          </a:fillRef>
+          <a:effectRef idx="1">
+            <a:schemeClr val="accent6"/>
+          </a:effectRef>
+          <a:fontRef idx="minor">
+            <a:schemeClr val="dk1"/>
+          </a:fontRef>
+        </p:style>
+        <p:txBody>
+          <a:bodyPr rtlCol="0" anchor="ctr"/>
+          <a:lstStyle/>
+          <a:p>
+            <a:pPr algn="ctr"/>
+            <a:endParaRPr lang="en-US" sz="1050"/>
+          </a:p>
+        </p:txBody>
+      </p:sp>
+      <p:sp>
+        <p:nvSpPr>
+          <p:cNvPr id="82" name="TextBox 81">
+            <a:extLst>
+              <a:ext uri="{FF2B5EF4-FFF2-40B4-BE49-F238E27FC236}">
+                <a16:creationId xmlns:a16="http://schemas.microsoft.com/office/drawing/2014/main" id="{3BE06ED5-333C-4461-8F84-9422F5F89F29}"/>
+              </a:ext>
+            </a:extLst>
+          </p:cNvPr>
+          <p:cNvSpPr txBox="1"/>
+          <p:nvPr/>
+        </p:nvSpPr>
+        <p:spPr>
+          <a:xfrm rot="16200000">
+            <a:off x="6441155" y="5064978"/>
+            <a:ext cx="881018" cy="261610"/>
+          </a:xfrm>
+          <a:prstGeom prst="rect">
+            <a:avLst/>
+          </a:prstGeom>
+          <a:noFill/>
+        </p:spPr>
+        <p:txBody>
+          <a:bodyPr wrap="square" rtlCol="0">
+            <a:spAutoFit/>
+          </a:bodyPr>
+          <a:lstStyle/>
+          <a:p>
+            <a:pPr algn="r"/>
+            <a:r>
+              <a:rPr lang="en-US" sz="1100" dirty="0">
+                <a:solidFill>
+                  <a:srgbClr val="7030A0"/>
+                </a:solidFill>
+              </a:rPr>
+              <a:t>filtered list</a:t>
+            </a:r>
+            <a:endParaRPr lang="en-SG" sz="1100" dirty="0">
+              <a:solidFill>
+                <a:srgbClr val="7030A0"/>
+              </a:solidFill>
+            </a:endParaRPr>
+          </a:p>
+        </p:txBody>
+      </p:sp>
+      <p:cxnSp>
+        <p:nvCxnSpPr>
+          <p:cNvPr id="87" name="Straight Arrow Connector 86">
+            <a:extLst>
+              <a:ext uri="{FF2B5EF4-FFF2-40B4-BE49-F238E27FC236}">
+                <a16:creationId xmlns:a16="http://schemas.microsoft.com/office/drawing/2014/main" id="{7A23E19A-FD6F-47C3-98E6-E7A02E12F314}"/>
+              </a:ext>
+            </a:extLst>
+          </p:cNvPr>
+          <p:cNvCxnSpPr>
+            <a:endCxn id="73" idx="1"/>
+          </p:cNvCxnSpPr>
+          <p:nvPr/>
+        </p:nvCxnSpPr>
+        <p:spPr>
+          <a:xfrm>
+            <a:off x="4404052" y="4523995"/>
+            <a:ext cx="367678" cy="12320"/>
+          </a:xfrm>
+          <a:prstGeom prst="straightConnector1">
+            <a:avLst/>
+          </a:prstGeom>
+          <a:ln w="19050">
+            <a:solidFill>
+              <a:srgbClr val="7030A0"/>
+            </a:solidFill>
+            <a:headEnd type="none" w="med" len="med"/>
+            <a:tailEnd type="arrow" w="med" len="med"/>
+          </a:ln>
+          <a:effectLst/>
+        </p:spPr>
+        <p:style>
+          <a:lnRef idx="1">
+            <a:schemeClr val="accent2"/>
+          </a:lnRef>
+          <a:fillRef idx="2">
+            <a:schemeClr val="accent2"/>
+          </a:fillRef>
+          <a:effectRef idx="1">
+            <a:schemeClr val="accent2"/>
+          </a:effectRef>
+          <a:fontRef idx="minor">
+            <a:schemeClr val="dk1"/>
+          </a:fontRef>
+        </p:style>
+      </p:cxnSp>
+      <p:cxnSp>
+        <p:nvCxnSpPr>
+          <p:cNvPr id="14" name="Connector: Elbow 13">
+            <a:extLst>
+              <a:ext uri="{FF2B5EF4-FFF2-40B4-BE49-F238E27FC236}">
+                <a16:creationId xmlns:a16="http://schemas.microsoft.com/office/drawing/2014/main" id="{FEDA6ED8-9637-4131-998D-C03F70375C71}"/>
+              </a:ext>
+            </a:extLst>
+          </p:cNvPr>
+          <p:cNvCxnSpPr>
+            <a:endCxn id="62" idx="2"/>
+          </p:cNvCxnSpPr>
+          <p:nvPr/>
+        </p:nvCxnSpPr>
+        <p:spPr>
+          <a:xfrm flipV="1">
+            <a:off x="2373780" y="2323807"/>
+            <a:ext cx="4293990" cy="833774"/>
+          </a:xfrm>
+          <a:prstGeom prst="bentConnector2">
+            <a:avLst/>
+          </a:prstGeom>
+          <a:ln w="19050">
+            <a:solidFill>
+              <a:srgbClr val="7030A0"/>
+            </a:solidFill>
+            <a:tailEnd type="triangle"/>
+          </a:ln>
+        </p:spPr>
+        <p:style>
+          <a:lnRef idx="1">
+            <a:schemeClr val="accent4"/>
+          </a:lnRef>
+          <a:fillRef idx="0">
+            <a:schemeClr val="accent4"/>
+          </a:fillRef>
+          <a:effectRef idx="0">
+            <a:schemeClr val="accent4"/>
+          </a:effectRef>
+          <a:fontRef idx="minor">
+            <a:schemeClr val="tx1"/>
+          </a:fontRef>
+        </p:style>
+      </p:cxnSp>
+      <p:sp>
+        <p:nvSpPr>
+          <p:cNvPr id="88" name="Flowchart: Decision 96">
+            <a:extLst>
+              <a:ext uri="{FF2B5EF4-FFF2-40B4-BE49-F238E27FC236}">
+                <a16:creationId xmlns:a16="http://schemas.microsoft.com/office/drawing/2014/main" id="{0EBD67C6-2FFC-4AFA-AC6D-68F51E3F056D}"/>
+              </a:ext>
+            </a:extLst>
+          </p:cNvPr>
+          <p:cNvSpPr/>
+          <p:nvPr/>
+        </p:nvSpPr>
+        <p:spPr>
+          <a:xfrm>
+            <a:off x="2388312" y="4422112"/>
+            <a:ext cx="236048" cy="173380"/>
+          </a:xfrm>
+          <a:prstGeom prst="flowChartDecision">
+            <a:avLst/>
+          </a:prstGeom>
+          <a:noFill/>
+          <a:ln w="19050">
+            <a:solidFill>
+              <a:srgbClr val="7030A0"/>
+            </a:solidFill>
+          </a:ln>
+          <a:effectLst/>
+        </p:spPr>
+        <p:style>
+          <a:lnRef idx="1">
+            <a:schemeClr val="accent6"/>
+          </a:lnRef>
+          <a:fillRef idx="2">
+            <a:schemeClr val="accent6"/>
+          </a:fillRef>
+          <a:effectRef idx="1">
+            <a:schemeClr val="accent6"/>
+          </a:effectRef>
+          <a:fontRef idx="minor">
+            <a:schemeClr val="dk1"/>
+          </a:fontRef>
+        </p:style>
+        <p:txBody>
+          <a:bodyPr rtlCol="0" anchor="ctr"/>
+          <a:lstStyle/>
+          <a:p>
+            <a:pPr algn="ctr"/>
+            <a:endParaRPr lang="en-US" sz="1050"/>
+          </a:p>
+        </p:txBody>
+      </p:sp>
+      <p:sp>
+        <p:nvSpPr>
+          <p:cNvPr id="90" name="TextBox 89">
+            <a:extLst>
+              <a:ext uri="{FF2B5EF4-FFF2-40B4-BE49-F238E27FC236}">
+                <a16:creationId xmlns:a16="http://schemas.microsoft.com/office/drawing/2014/main" id="{FA5716A2-B0F7-41DB-AC7C-102D461EBE4B}"/>
+              </a:ext>
+            </a:extLst>
+          </p:cNvPr>
+          <p:cNvSpPr txBox="1"/>
+          <p:nvPr/>
+        </p:nvSpPr>
+        <p:spPr>
+          <a:xfrm>
+            <a:off x="2725794" y="2028096"/>
+            <a:ext cx="170110" cy="137542"/>
+          </a:xfrm>
+          <a:prstGeom prst="rect">
+            <a:avLst/>
+          </a:prstGeom>
+          <a:noFill/>
+        </p:spPr>
+        <p:txBody>
+          <a:bodyPr wrap="square" lIns="0" tIns="0" rIns="0" bIns="0" rtlCol="0">
+            <a:noAutofit/>
+          </a:bodyPr>
+          <a:lstStyle/>
+          <a:p>
+            <a:pPr algn="ctr"/>
+            <a:r>
+              <a:rPr lang="en-US" sz="1100" dirty="0">
+                <a:solidFill>
+                  <a:srgbClr val="7030A0"/>
+                </a:solidFill>
+              </a:rPr>
+              <a:t>1</a:t>
+            </a:r>
+            <a:endParaRPr lang="en-SG" sz="1100" dirty="0">
+              <a:solidFill>
+                <a:srgbClr val="7030A0"/>
+              </a:solidFill>
+            </a:endParaRPr>
+          </a:p>
+        </p:txBody>
+      </p:sp>
+      <p:sp>
+        <p:nvSpPr>
+          <p:cNvPr id="15" name="Rectangle 14">
+            <a:extLst>
+              <a:ext uri="{FF2B5EF4-FFF2-40B4-BE49-F238E27FC236}">
+                <a16:creationId xmlns:a16="http://schemas.microsoft.com/office/drawing/2014/main" id="{1DC9B0D3-7F79-46E7-BDED-48D7B441B771}"/>
+              </a:ext>
+            </a:extLst>
+          </p:cNvPr>
+          <p:cNvSpPr/>
+          <p:nvPr/>
+        </p:nvSpPr>
+        <p:spPr>
+          <a:xfrm>
+            <a:off x="2477784" y="4113581"/>
+            <a:ext cx="435930" cy="307777"/>
+          </a:xfrm>
+          <a:prstGeom prst="rect">
+            <a:avLst/>
+          </a:prstGeom>
+        </p:spPr>
+        <p:txBody>
+          <a:bodyPr wrap="square">
+            <a:spAutoFit/>
+          </a:bodyPr>
+          <a:lstStyle/>
+          <a:p>
+            <a:r>
+              <a:rPr lang="en-US" sz="1400" dirty="0">
+                <a:solidFill>
+                  <a:srgbClr val="7030A0"/>
+                </a:solidFill>
+              </a:rPr>
+              <a:t>1</a:t>
+            </a:r>
+            <a:endParaRPr lang="en-SG" dirty="0"/>
+          </a:p>
+        </p:txBody>
+      </p:sp>
+      <p:sp>
+        <p:nvSpPr>
+          <p:cNvPr id="92" name="Flowchart: Decision 96">
+            <a:extLst>
+              <a:ext uri="{FF2B5EF4-FFF2-40B4-BE49-F238E27FC236}">
+                <a16:creationId xmlns:a16="http://schemas.microsoft.com/office/drawing/2014/main" id="{35547420-A03E-4B07-AF39-8B67A8582F9B}"/>
+              </a:ext>
+            </a:extLst>
+          </p:cNvPr>
+          <p:cNvSpPr/>
+          <p:nvPr/>
+        </p:nvSpPr>
+        <p:spPr>
+          <a:xfrm>
+            <a:off x="4283177" y="4422112"/>
+            <a:ext cx="236048" cy="173380"/>
+          </a:xfrm>
+          <a:prstGeom prst="flowChartDecision">
+            <a:avLst/>
+          </a:prstGeom>
+          <a:solidFill>
+            <a:srgbClr val="7030A0"/>
+          </a:solidFill>
+          <a:ln w="19050">
+            <a:solidFill>
+              <a:srgbClr val="7030A0"/>
+            </a:solidFill>
+          </a:ln>
+          <a:effectLst/>
+        </p:spPr>
+        <p:style>
+          <a:lnRef idx="1">
+            <a:schemeClr val="accent6"/>
+          </a:lnRef>
+          <a:fillRef idx="2">
+            <a:schemeClr val="accent6"/>
+          </a:fillRef>
+          <a:effectRef idx="1">
+            <a:schemeClr val="accent6"/>
+          </a:effectRef>
+          <a:fontRef idx="minor">
+            <a:schemeClr val="dk1"/>
+          </a:fontRef>
+        </p:style>
+        <p:txBody>
+          <a:bodyPr rtlCol="0" anchor="ctr"/>
+          <a:lstStyle/>
+          <a:p>
+            <a:pPr algn="ctr"/>
+            <a:endParaRPr lang="en-US" sz="1050"/>
+          </a:p>
+        </p:txBody>
+      </p:sp>
+      <p:sp>
+        <p:nvSpPr>
+          <p:cNvPr id="93" name="TextBox 92">
+            <a:extLst>
+              <a:ext uri="{FF2B5EF4-FFF2-40B4-BE49-F238E27FC236}">
+                <a16:creationId xmlns:a16="http://schemas.microsoft.com/office/drawing/2014/main" id="{9C8F8DCA-7880-4D11-83AB-9D2E10B5A831}"/>
+              </a:ext>
+            </a:extLst>
+          </p:cNvPr>
+          <p:cNvSpPr txBox="1"/>
+          <p:nvPr/>
+        </p:nvSpPr>
+        <p:spPr>
+          <a:xfrm>
+            <a:off x="4471323" y="4544482"/>
+            <a:ext cx="189257" cy="178683"/>
+          </a:xfrm>
+          <a:prstGeom prst="rect">
+            <a:avLst/>
+          </a:prstGeom>
+          <a:noFill/>
+        </p:spPr>
+        <p:txBody>
+          <a:bodyPr wrap="square" lIns="0" tIns="0" rIns="0" bIns="0" rtlCol="0">
+            <a:noAutofit/>
+          </a:bodyPr>
+          <a:lstStyle/>
+          <a:p>
+            <a:pPr algn="ctr"/>
+            <a:r>
+              <a:rPr lang="en-US" sz="1100" dirty="0">
+                <a:solidFill>
+                  <a:srgbClr val="7030A0"/>
+                </a:solidFill>
+              </a:rPr>
+              <a:t>1</a:t>
+            </a:r>
+            <a:endParaRPr lang="en-SG" sz="1100" dirty="0">
+              <a:solidFill>
+                <a:srgbClr val="7030A0"/>
+              </a:solidFill>
+            </a:endParaRPr>
+          </a:p>
+        </p:txBody>
+      </p:sp>
+      <p:cxnSp>
+        <p:nvCxnSpPr>
+          <p:cNvPr id="94" name="Elbow Connector 63">
+            <a:extLst>
+              <a:ext uri="{FF2B5EF4-FFF2-40B4-BE49-F238E27FC236}">
+                <a16:creationId xmlns:a16="http://schemas.microsoft.com/office/drawing/2014/main" id="{34890488-5B1F-475D-8918-30ADC5F8F93A}"/>
+              </a:ext>
+            </a:extLst>
+          </p:cNvPr>
+          <p:cNvCxnSpPr/>
+          <p:nvPr/>
+        </p:nvCxnSpPr>
+        <p:spPr>
+          <a:xfrm>
+            <a:off x="6178591" y="4550802"/>
+            <a:ext cx="218878" cy="3080"/>
+          </a:xfrm>
+          <a:prstGeom prst="bentConnector3">
+            <a:avLst/>
+          </a:prstGeom>
+          <a:ln w="19050">
+            <a:solidFill>
+              <a:srgbClr val="7030A0"/>
+            </a:solidFill>
+            <a:headEnd type="none" w="med" len="med"/>
+            <a:tailEnd type="arrow" w="med" len="med"/>
+          </a:ln>
+          <a:effectLst/>
+        </p:spPr>
+        <p:style>
+          <a:lnRef idx="1">
+            <a:schemeClr val="accent2"/>
+          </a:lnRef>
+          <a:fillRef idx="2">
+            <a:schemeClr val="accent2"/>
+          </a:fillRef>
+          <a:effectRef idx="1">
+            <a:schemeClr val="accent2"/>
+          </a:effectRef>
+          <a:fontRef idx="minor">
+            <a:schemeClr val="dk1"/>
+          </a:fontRef>
+        </p:style>
+      </p:cxnSp>
+      <p:sp>
+        <p:nvSpPr>
+          <p:cNvPr id="95" name="TextBox 94">
+            <a:extLst>
+              <a:ext uri="{FF2B5EF4-FFF2-40B4-BE49-F238E27FC236}">
+                <a16:creationId xmlns:a16="http://schemas.microsoft.com/office/drawing/2014/main" id="{82812BCE-55DC-49F4-AD51-A7E8D2569A09}"/>
+              </a:ext>
+            </a:extLst>
+          </p:cNvPr>
+          <p:cNvSpPr txBox="1"/>
+          <p:nvPr/>
+        </p:nvSpPr>
+        <p:spPr>
+          <a:xfrm>
+            <a:off x="6219048" y="4620353"/>
+            <a:ext cx="189257" cy="178683"/>
+          </a:xfrm>
+          <a:prstGeom prst="rect">
+            <a:avLst/>
+          </a:prstGeom>
+          <a:noFill/>
+        </p:spPr>
+        <p:txBody>
+          <a:bodyPr wrap="square" lIns="0" tIns="0" rIns="0" bIns="0" rtlCol="0">
+            <a:noAutofit/>
+          </a:bodyPr>
+          <a:lstStyle/>
+          <a:p>
+            <a:pPr algn="ctr"/>
+            <a:r>
+              <a:rPr lang="en-US" sz="1100" dirty="0">
+                <a:solidFill>
+                  <a:srgbClr val="7030A0"/>
+                </a:solidFill>
+              </a:rPr>
+              <a:t>*</a:t>
+            </a:r>
+            <a:endParaRPr lang="en-SG" sz="1100" dirty="0">
+              <a:solidFill>
+                <a:srgbClr val="7030A0"/>
+              </a:solidFill>
+            </a:endParaRPr>
+          </a:p>
+        </p:txBody>
+      </p:sp>
+      <p:cxnSp>
+        <p:nvCxnSpPr>
+          <p:cNvPr id="96" name="Connector: Elbow 95">
+            <a:extLst>
+              <a:ext uri="{FF2B5EF4-FFF2-40B4-BE49-F238E27FC236}">
+                <a16:creationId xmlns:a16="http://schemas.microsoft.com/office/drawing/2014/main" id="{35C58CC9-969C-48AE-ABC7-A03D9E69E3EF}"/>
+              </a:ext>
+            </a:extLst>
+          </p:cNvPr>
+          <p:cNvCxnSpPr>
+            <a:cxnSpLocks/>
+            <a:endCxn id="74" idx="2"/>
+          </p:cNvCxnSpPr>
+          <p:nvPr/>
+        </p:nvCxnSpPr>
+        <p:spPr>
+          <a:xfrm flipV="1">
+            <a:off x="2322259" y="4721599"/>
+            <a:ext cx="4424591" cy="246480"/>
+          </a:xfrm>
+          <a:prstGeom prst="bentConnector2">
+            <a:avLst/>
+          </a:prstGeom>
+          <a:ln w="19050">
+            <a:solidFill>
+              <a:srgbClr val="7030A0"/>
+            </a:solidFill>
+            <a:tailEnd type="triangle"/>
+          </a:ln>
+        </p:spPr>
+        <p:style>
+          <a:lnRef idx="1">
+            <a:schemeClr val="accent4"/>
+          </a:lnRef>
+          <a:fillRef idx="0">
+            <a:schemeClr val="accent4"/>
+          </a:fillRef>
+          <a:effectRef idx="0">
+            <a:schemeClr val="accent4"/>
+          </a:effectRef>
+          <a:fontRef idx="minor">
+            <a:schemeClr val="tx1"/>
+          </a:fontRef>
+        </p:style>
+      </p:cxnSp>
+      <p:cxnSp>
+        <p:nvCxnSpPr>
+          <p:cNvPr id="108" name="Elbow Connector 63">
+            <a:extLst>
+              <a:ext uri="{FF2B5EF4-FFF2-40B4-BE49-F238E27FC236}">
+                <a16:creationId xmlns:a16="http://schemas.microsoft.com/office/drawing/2014/main" id="{4B50B282-336B-4493-84B9-EAD4CB1C12A8}"/>
+              </a:ext>
+            </a:extLst>
+          </p:cNvPr>
+          <p:cNvCxnSpPr>
+            <a:cxnSpLocks/>
+          </p:cNvCxnSpPr>
+          <p:nvPr/>
+        </p:nvCxnSpPr>
+        <p:spPr>
+          <a:xfrm rot="16200000" flipH="1">
+            <a:off x="3260491" y="4206361"/>
+            <a:ext cx="274076" cy="1"/>
+          </a:xfrm>
+          <a:prstGeom prst="bentConnector3">
+            <a:avLst>
+              <a:gd name="adj1" fmla="val 50000"/>
+            </a:avLst>
+          </a:prstGeom>
+          <a:ln w="19050">
+            <a:solidFill>
+              <a:srgbClr val="7030A0"/>
+            </a:solidFill>
+            <a:prstDash val="sysDot"/>
+            <a:headEnd type="none" w="med" len="med"/>
+            <a:tailEnd type="none" w="med" len="med"/>
+          </a:ln>
+          <a:effectLst/>
+        </p:spPr>
+        <p:style>
+          <a:lnRef idx="1">
+            <a:schemeClr val="accent2"/>
+          </a:lnRef>
+          <a:fillRef idx="2">
+            <a:schemeClr val="accent2"/>
+          </a:fillRef>
+          <a:effectRef idx="1">
+            <a:schemeClr val="accent2"/>
+          </a:effectRef>
+          <a:fontRef idx="minor">
+            <a:schemeClr val="dk1"/>
+          </a:fontRef>
+        </p:style>
+      </p:cxnSp>
+      <p:sp>
+        <p:nvSpPr>
+          <p:cNvPr id="109" name="Isosceles Triangle 102">
+            <a:extLst>
+              <a:ext uri="{FF2B5EF4-FFF2-40B4-BE49-F238E27FC236}">
+                <a16:creationId xmlns:a16="http://schemas.microsoft.com/office/drawing/2014/main" id="{39720318-6C86-46EE-A317-9D53D1F31186}"/>
+              </a:ext>
+            </a:extLst>
+          </p:cNvPr>
+          <p:cNvSpPr/>
+          <p:nvPr/>
+        </p:nvSpPr>
+        <p:spPr>
+          <a:xfrm rot="10800000" flipV="1">
+            <a:off x="3256336" y="3951141"/>
+            <a:ext cx="282387" cy="157062"/>
+          </a:xfrm>
+          <a:prstGeom prst="triangle">
+            <a:avLst/>
+          </a:prstGeom>
+          <a:solidFill>
+            <a:schemeClr val="accent4">
+              <a:lumMod val="20000"/>
+              <a:lumOff val="80000"/>
+            </a:schemeClr>
+          </a:solidFill>
+          <a:ln w="19050">
+            <a:solidFill>
+              <a:srgbClr val="7030A0"/>
+            </a:solidFill>
+          </a:ln>
+          <a:effectLst/>
+        </p:spPr>
+        <p:style>
+          <a:lnRef idx="1">
+            <a:schemeClr val="accent4"/>
+          </a:lnRef>
+          <a:fillRef idx="2">
+            <a:schemeClr val="accent4"/>
+          </a:fillRef>
+          <a:effectRef idx="1">
+            <a:schemeClr val="accent4"/>
+          </a:effectRef>
+          <a:fontRef idx="minor">
+            <a:schemeClr val="dk1"/>
+          </a:fontRef>
+        </p:style>
+        <p:txBody>
+          <a:bodyPr rtlCol="0" anchor="ctr"/>
+          <a:lstStyle/>
+          <a:p>
+            <a:pPr algn="ctr"/>
+            <a:endParaRPr lang="en-SG" sz="1050" b="1">
+              <a:solidFill>
+                <a:srgbClr val="92D050"/>
+              </a:solidFill>
+            </a:endParaRPr>
+          </a:p>
+        </p:txBody>
+      </p:sp>
+      <p:sp>
+        <p:nvSpPr>
+          <p:cNvPr id="110" name="Rectangle 8">
+            <a:extLst>
+              <a:ext uri="{FF2B5EF4-FFF2-40B4-BE49-F238E27FC236}">
+                <a16:creationId xmlns:a16="http://schemas.microsoft.com/office/drawing/2014/main" id="{5E27F434-C709-4645-94FE-9C62421FFA08}"/>
+              </a:ext>
+            </a:extLst>
+          </p:cNvPr>
+          <p:cNvSpPr/>
+          <p:nvPr/>
+        </p:nvSpPr>
+        <p:spPr>
+          <a:xfrm>
+            <a:off x="4365073" y="3535714"/>
+            <a:ext cx="1443661" cy="364396"/>
+          </a:xfrm>
+          <a:prstGeom prst="rect">
+            <a:avLst/>
+          </a:prstGeom>
+          <a:ln w="19050">
+            <a:solidFill>
+              <a:srgbClr val="7030A0"/>
+            </a:solidFill>
+          </a:ln>
+          <a:effectLst/>
+        </p:spPr>
+        <p:style>
+          <a:lnRef idx="1">
+            <a:schemeClr val="accent4"/>
+          </a:lnRef>
+          <a:fillRef idx="2">
+            <a:schemeClr val="accent4"/>
+          </a:fillRef>
+          <a:effectRef idx="1">
+            <a:schemeClr val="accent4"/>
+          </a:effectRef>
+          <a:fontRef idx="minor">
+            <a:schemeClr val="dk1"/>
+          </a:fontRef>
+        </p:style>
+        <p:txBody>
+          <a:bodyPr rtlCol="0" anchor="ctr"/>
+          <a:lstStyle/>
+          <a:p>
+            <a:pPr algn="ctr"/>
+            <a:r>
+              <a:rPr lang="en-US" sz="1050" dirty="0">
+                <a:solidFill>
+                  <a:srgbClr val="7030A0"/>
+                </a:solidFill>
+              </a:rPr>
+              <a:t>&lt;&lt;interface&gt;&gt;</a:t>
+            </a:r>
+            <a:br>
+              <a:rPr lang="en-US" sz="1050" dirty="0">
+                <a:solidFill>
+                  <a:srgbClr val="7030A0"/>
+                </a:solidFill>
+              </a:rPr>
+            </a:br>
+            <a:r>
+              <a:rPr lang="en-US" sz="1050" dirty="0" err="1">
+                <a:solidFill>
+                  <a:srgbClr val="7030A0"/>
+                </a:solidFill>
+              </a:rPr>
+              <a:t>ReadOnlyProjectList</a:t>
+            </a:r>
+            <a:endParaRPr lang="en-SG" sz="1050" dirty="0">
+              <a:solidFill>
+                <a:srgbClr val="7030A0"/>
+              </a:solidFill>
+            </a:endParaRPr>
+          </a:p>
+        </p:txBody>
+      </p:sp>
+      <p:sp>
+        <p:nvSpPr>
+          <p:cNvPr id="111" name="Rectangle 8">
+            <a:extLst>
+              <a:ext uri="{FF2B5EF4-FFF2-40B4-BE49-F238E27FC236}">
+                <a16:creationId xmlns:a16="http://schemas.microsoft.com/office/drawing/2014/main" id="{909EE065-C043-46F6-8B24-B245455567AF}"/>
+              </a:ext>
+            </a:extLst>
+          </p:cNvPr>
+          <p:cNvSpPr/>
+          <p:nvPr/>
+        </p:nvSpPr>
+        <p:spPr>
+          <a:xfrm>
+            <a:off x="2864218" y="3562937"/>
+            <a:ext cx="1060683" cy="364396"/>
+          </a:xfrm>
+          <a:prstGeom prst="rect">
+            <a:avLst/>
+          </a:prstGeom>
+          <a:ln w="19050">
+            <a:solidFill>
+              <a:srgbClr val="7030A0"/>
+            </a:solidFill>
+          </a:ln>
+          <a:effectLst/>
+        </p:spPr>
+        <p:style>
+          <a:lnRef idx="1">
+            <a:schemeClr val="accent4"/>
+          </a:lnRef>
+          <a:fillRef idx="2">
+            <a:schemeClr val="accent4"/>
+          </a:fillRef>
+          <a:effectRef idx="1">
+            <a:schemeClr val="accent4"/>
+          </a:effectRef>
+          <a:fontRef idx="minor">
+            <a:schemeClr val="dk1"/>
+          </a:fontRef>
+        </p:style>
+        <p:txBody>
+          <a:bodyPr rtlCol="0" anchor="ctr"/>
+          <a:lstStyle/>
+          <a:p>
+            <a:pPr algn="ctr"/>
+            <a:r>
+              <a:rPr lang="en-US" sz="1050" dirty="0" err="1">
+                <a:solidFill>
+                  <a:srgbClr val="7030A0"/>
+                </a:solidFill>
+              </a:rPr>
+              <a:t>ProjectList</a:t>
+            </a:r>
+            <a:endParaRPr lang="en-SG" sz="1050" dirty="0">
+              <a:solidFill>
+                <a:srgbClr val="7030A0"/>
+              </a:solidFill>
+            </a:endParaRPr>
+          </a:p>
+        </p:txBody>
+      </p:sp>
+      <p:sp>
+        <p:nvSpPr>
+          <p:cNvPr id="112" name="Isosceles Triangle 102">
+            <a:extLst>
+              <a:ext uri="{FF2B5EF4-FFF2-40B4-BE49-F238E27FC236}">
+                <a16:creationId xmlns:a16="http://schemas.microsoft.com/office/drawing/2014/main" id="{57C52B7E-C833-4365-ACE8-B662C2896A27}"/>
+              </a:ext>
+            </a:extLst>
+          </p:cNvPr>
+          <p:cNvSpPr/>
+          <p:nvPr/>
+        </p:nvSpPr>
+        <p:spPr>
+          <a:xfrm rot="5400000">
+            <a:off x="4154994" y="3642522"/>
+            <a:ext cx="271014" cy="187417"/>
+          </a:xfrm>
+          <a:prstGeom prst="triangle">
+            <a:avLst>
+              <a:gd name="adj" fmla="val 44517"/>
+            </a:avLst>
+          </a:prstGeom>
+          <a:solidFill>
+            <a:schemeClr val="accent4">
+              <a:lumMod val="20000"/>
+              <a:lumOff val="80000"/>
+            </a:schemeClr>
+          </a:solidFill>
+          <a:ln w="19050">
+            <a:solidFill>
+              <a:srgbClr val="7030A0"/>
+            </a:solidFill>
+          </a:ln>
+          <a:effectLst/>
+        </p:spPr>
+        <p:style>
+          <a:lnRef idx="1">
+            <a:schemeClr val="accent6"/>
+          </a:lnRef>
+          <a:fillRef idx="2">
+            <a:schemeClr val="accent6"/>
+          </a:fillRef>
+          <a:effectRef idx="1">
+            <a:schemeClr val="accent6"/>
+          </a:effectRef>
+          <a:fontRef idx="minor">
+            <a:schemeClr val="dk1"/>
+          </a:fontRef>
+        </p:style>
+        <p:txBody>
+          <a:bodyPr rtlCol="0" anchor="ctr"/>
+          <a:lstStyle/>
+          <a:p>
+            <a:pPr algn="ctr"/>
+            <a:endParaRPr lang="en-SG" sz="1050"/>
+          </a:p>
+        </p:txBody>
+      </p:sp>
+      <p:cxnSp>
+        <p:nvCxnSpPr>
+          <p:cNvPr id="113" name="Elbow Connector 63">
+            <a:extLst>
+              <a:ext uri="{FF2B5EF4-FFF2-40B4-BE49-F238E27FC236}">
+                <a16:creationId xmlns:a16="http://schemas.microsoft.com/office/drawing/2014/main" id="{165A89A4-03BB-46E0-9A56-C4383AD2B87E}"/>
+              </a:ext>
+            </a:extLst>
+          </p:cNvPr>
+          <p:cNvCxnSpPr>
+            <a:cxnSpLocks/>
+          </p:cNvCxnSpPr>
+          <p:nvPr/>
+        </p:nvCxnSpPr>
+        <p:spPr>
+          <a:xfrm>
+            <a:off x="3924901" y="3727453"/>
+            <a:ext cx="271892" cy="2821"/>
+          </a:xfrm>
+          <a:prstGeom prst="bentConnector3">
+            <a:avLst>
+              <a:gd name="adj1" fmla="val 50000"/>
+            </a:avLst>
+          </a:prstGeom>
+          <a:ln w="19050">
+            <a:solidFill>
+              <a:srgbClr val="7030A0"/>
+            </a:solidFill>
+            <a:prstDash val="sysDot"/>
+            <a:headEnd type="none" w="med" len="med"/>
+            <a:tailEnd type="none" w="med" len="med"/>
+          </a:ln>
+          <a:effectLst/>
+        </p:spPr>
+        <p:style>
+          <a:lnRef idx="1">
+            <a:schemeClr val="accent2"/>
+          </a:lnRef>
+          <a:fillRef idx="2">
+            <a:schemeClr val="accent2"/>
+          </a:fillRef>
+          <a:effectRef idx="1">
+            <a:schemeClr val="accent2"/>
+          </a:effectRef>
+          <a:fontRef idx="minor">
+            <a:schemeClr val="dk1"/>
+          </a:fontRef>
+        </p:style>
+      </p:cxnSp>
+      <p:sp>
+        <p:nvSpPr>
+          <p:cNvPr id="115" name="Rectangle 8">
+            <a:extLst>
+              <a:ext uri="{FF2B5EF4-FFF2-40B4-BE49-F238E27FC236}">
+                <a16:creationId xmlns:a16="http://schemas.microsoft.com/office/drawing/2014/main" id="{1B784642-2EF2-4145-94E6-23810777FBA9}"/>
+              </a:ext>
+            </a:extLst>
+          </p:cNvPr>
+          <p:cNvSpPr/>
+          <p:nvPr/>
+        </p:nvSpPr>
+        <p:spPr>
+          <a:xfrm>
+            <a:off x="7766386" y="4068311"/>
+            <a:ext cx="708186" cy="285783"/>
+          </a:xfrm>
+          <a:prstGeom prst="rect">
+            <a:avLst/>
+          </a:prstGeom>
+          <a:ln w="19050">
+            <a:solidFill>
+              <a:srgbClr val="7030A0"/>
+            </a:solidFill>
+          </a:ln>
+          <a:effectLst/>
+        </p:spPr>
+        <p:style>
+          <a:lnRef idx="1">
+            <a:schemeClr val="accent4"/>
+          </a:lnRef>
+          <a:fillRef idx="2">
+            <a:schemeClr val="accent4"/>
+          </a:fillRef>
+          <a:effectRef idx="1">
+            <a:schemeClr val="accent4"/>
+          </a:effectRef>
+          <a:fontRef idx="minor">
+            <a:schemeClr val="dk1"/>
+          </a:fontRef>
+        </p:style>
+        <p:txBody>
+          <a:bodyPr rtlCol="0" anchor="ctr"/>
+          <a:lstStyle/>
+          <a:p>
+            <a:pPr algn="ctr"/>
+            <a:r>
+              <a:rPr lang="en-US" sz="1050" dirty="0">
+                <a:solidFill>
+                  <a:srgbClr val="7030A0"/>
+                </a:solidFill>
+              </a:rPr>
+              <a:t>Name</a:t>
+            </a:r>
+            <a:endParaRPr lang="en-SG" sz="1050" dirty="0">
+              <a:solidFill>
+                <a:srgbClr val="7030A0"/>
+              </a:solidFill>
+            </a:endParaRPr>
+          </a:p>
+        </p:txBody>
+      </p:sp>
+      <p:sp>
+        <p:nvSpPr>
+          <p:cNvPr id="116" name="Flowchart: Decision 96">
+            <a:extLst>
+              <a:ext uri="{FF2B5EF4-FFF2-40B4-BE49-F238E27FC236}">
+                <a16:creationId xmlns:a16="http://schemas.microsoft.com/office/drawing/2014/main" id="{ACCC2FC3-348F-4A8E-8726-AD35AC1DC362}"/>
+              </a:ext>
+            </a:extLst>
+          </p:cNvPr>
+          <p:cNvSpPr/>
+          <p:nvPr/>
+        </p:nvSpPr>
+        <p:spPr>
+          <a:xfrm>
+            <a:off x="7095936" y="4452274"/>
+            <a:ext cx="236048" cy="173380"/>
+          </a:xfrm>
+          <a:prstGeom prst="flowChartDecision">
+            <a:avLst/>
+          </a:prstGeom>
+          <a:solidFill>
+            <a:srgbClr val="7030A0"/>
+          </a:solidFill>
+          <a:ln w="19050">
+            <a:solidFill>
+              <a:srgbClr val="7030A0"/>
+            </a:solidFill>
+          </a:ln>
+          <a:effectLst/>
+        </p:spPr>
+        <p:style>
+          <a:lnRef idx="1">
+            <a:schemeClr val="accent6"/>
+          </a:lnRef>
+          <a:fillRef idx="2">
+            <a:schemeClr val="accent6"/>
+          </a:fillRef>
+          <a:effectRef idx="1">
+            <a:schemeClr val="accent6"/>
+          </a:effectRef>
+          <a:fontRef idx="minor">
+            <a:schemeClr val="dk1"/>
+          </a:fontRef>
+        </p:style>
+        <p:txBody>
+          <a:bodyPr rtlCol="0" anchor="ctr"/>
+          <a:lstStyle/>
+          <a:p>
+            <a:pPr algn="ctr"/>
+            <a:endParaRPr lang="en-US" sz="1050"/>
+          </a:p>
+        </p:txBody>
+      </p:sp>
+      <p:cxnSp>
+        <p:nvCxnSpPr>
+          <p:cNvPr id="117" name="Elbow Connector 78">
+            <a:extLst>
+              <a:ext uri="{FF2B5EF4-FFF2-40B4-BE49-F238E27FC236}">
+                <a16:creationId xmlns:a16="http://schemas.microsoft.com/office/drawing/2014/main" id="{DCCD2C24-B883-4C44-894B-C6A4662C46E2}"/>
+              </a:ext>
+            </a:extLst>
+          </p:cNvPr>
+          <p:cNvCxnSpPr>
+            <a:cxnSpLocks/>
+          </p:cNvCxnSpPr>
+          <p:nvPr/>
+        </p:nvCxnSpPr>
+        <p:spPr>
+          <a:xfrm flipV="1">
+            <a:off x="7331984" y="4210894"/>
+            <a:ext cx="434402" cy="327761"/>
+          </a:xfrm>
+          <a:prstGeom prst="bentConnector3">
+            <a:avLst/>
+          </a:prstGeom>
+          <a:ln w="19050">
+            <a:solidFill>
+              <a:srgbClr val="7030A0"/>
+            </a:solidFill>
+            <a:headEnd type="none" w="med" len="med"/>
+            <a:tailEnd type="arrow" w="med" len="med"/>
+          </a:ln>
+          <a:effectLst/>
+        </p:spPr>
+        <p:style>
+          <a:lnRef idx="1">
+            <a:schemeClr val="accent2"/>
+          </a:lnRef>
+          <a:fillRef idx="2">
+            <a:schemeClr val="accent2"/>
+          </a:fillRef>
+          <a:effectRef idx="1">
+            <a:schemeClr val="accent2"/>
+          </a:effectRef>
+          <a:fontRef idx="minor">
+            <a:schemeClr val="dk1"/>
+          </a:fontRef>
+        </p:style>
+      </p:cxnSp>
+      <p:sp>
+        <p:nvSpPr>
+          <p:cNvPr id="85" name="Rectangle 8">
+            <a:extLst>
+              <a:ext uri="{FF2B5EF4-FFF2-40B4-BE49-F238E27FC236}">
+                <a16:creationId xmlns:a16="http://schemas.microsoft.com/office/drawing/2014/main" id="{7D3E5016-30AE-42C9-BDA1-A4C39CDD1A9D}"/>
+              </a:ext>
+            </a:extLst>
+          </p:cNvPr>
+          <p:cNvSpPr/>
+          <p:nvPr/>
+        </p:nvSpPr>
+        <p:spPr>
+          <a:xfrm>
+            <a:off x="7688605" y="2717181"/>
+            <a:ext cx="812520" cy="285783"/>
+          </a:xfrm>
+          <a:prstGeom prst="rect">
+            <a:avLst/>
+          </a:prstGeom>
+          <a:ln w="19050">
+            <a:solidFill>
+              <a:srgbClr val="7030A0"/>
+            </a:solidFill>
+          </a:ln>
+          <a:effectLst/>
+        </p:spPr>
+        <p:style>
+          <a:lnRef idx="1">
+            <a:schemeClr val="accent4"/>
+          </a:lnRef>
+          <a:fillRef idx="2">
+            <a:schemeClr val="accent4"/>
+          </a:fillRef>
+          <a:effectRef idx="1">
+            <a:schemeClr val="accent4"/>
+          </a:effectRef>
+          <a:fontRef idx="minor">
+            <a:schemeClr val="dk1"/>
+          </a:fontRef>
+        </p:style>
+        <p:txBody>
+          <a:bodyPr rtlCol="0" anchor="ctr"/>
+          <a:lstStyle/>
+          <a:p>
+            <a:pPr algn="ctr"/>
+            <a:r>
+              <a:rPr lang="en-US" sz="1050" dirty="0" err="1">
+                <a:solidFill>
+                  <a:srgbClr val="7030A0"/>
+                </a:solidFill>
+              </a:rPr>
+              <a:t>taskId</a:t>
+            </a:r>
+            <a:endParaRPr lang="en-SG" sz="1050" dirty="0">
+              <a:solidFill>
+                <a:srgbClr val="7030A0"/>
+              </a:solidFill>
+            </a:endParaRPr>
+          </a:p>
+        </p:txBody>
+      </p:sp>
+      <p:cxnSp>
+        <p:nvCxnSpPr>
+          <p:cNvPr id="86" name="Elbow Connector 83">
+            <a:extLst>
+              <a:ext uri="{FF2B5EF4-FFF2-40B4-BE49-F238E27FC236}">
+                <a16:creationId xmlns:a16="http://schemas.microsoft.com/office/drawing/2014/main" id="{2CF25E1E-F189-4F10-AA76-9B705C2955AF}"/>
+              </a:ext>
+            </a:extLst>
+          </p:cNvPr>
+          <p:cNvCxnSpPr>
+            <a:cxnSpLocks/>
+            <a:stCxn id="78" idx="3"/>
+            <a:endCxn id="85" idx="1"/>
+          </p:cNvCxnSpPr>
+          <p:nvPr/>
+        </p:nvCxnSpPr>
+        <p:spPr>
+          <a:xfrm>
+            <a:off x="7277995" y="2153872"/>
+            <a:ext cx="410610" cy="706201"/>
+          </a:xfrm>
+          <a:prstGeom prst="bentConnector3">
+            <a:avLst/>
+          </a:prstGeom>
+          <a:ln w="19050">
+            <a:solidFill>
+              <a:srgbClr val="7030A0"/>
+            </a:solidFill>
+            <a:headEnd type="none" w="med" len="med"/>
+            <a:tailEnd type="arrow" w="med" len="med"/>
           </a:ln>
           <a:effectLst/>
         </p:spPr>
